--- a/Visualisations/Fig_Continua.pptx
+++ b/Visualisations/Fig_Continua.pptx
@@ -243,7 +243,7 @@
           <a:p>
             <a:fld id="{C85144DE-560A-46E8-8926-C4F4797BEAE9}" type="datetimeFigureOut">
               <a:rPr lang="en-GB" smtClean="0"/>
-              <a:t>28/09/2020</a:t>
+              <a:t>26/10/2020</a:t>
             </a:fld>
             <a:endParaRPr lang="en-GB"/>
           </a:p>
@@ -413,7 +413,7 @@
           <a:p>
             <a:fld id="{C85144DE-560A-46E8-8926-C4F4797BEAE9}" type="datetimeFigureOut">
               <a:rPr lang="en-GB" smtClean="0"/>
-              <a:t>28/09/2020</a:t>
+              <a:t>26/10/2020</a:t>
             </a:fld>
             <a:endParaRPr lang="en-GB"/>
           </a:p>
@@ -593,7 +593,7 @@
           <a:p>
             <a:fld id="{C85144DE-560A-46E8-8926-C4F4797BEAE9}" type="datetimeFigureOut">
               <a:rPr lang="en-GB" smtClean="0"/>
-              <a:t>28/09/2020</a:t>
+              <a:t>26/10/2020</a:t>
             </a:fld>
             <a:endParaRPr lang="en-GB"/>
           </a:p>
@@ -763,7 +763,7 @@
           <a:p>
             <a:fld id="{C85144DE-560A-46E8-8926-C4F4797BEAE9}" type="datetimeFigureOut">
               <a:rPr lang="en-GB" smtClean="0"/>
-              <a:t>28/09/2020</a:t>
+              <a:t>26/10/2020</a:t>
             </a:fld>
             <a:endParaRPr lang="en-GB"/>
           </a:p>
@@ -1007,7 +1007,7 @@
           <a:p>
             <a:fld id="{C85144DE-560A-46E8-8926-C4F4797BEAE9}" type="datetimeFigureOut">
               <a:rPr lang="en-GB" smtClean="0"/>
-              <a:t>28/09/2020</a:t>
+              <a:t>26/10/2020</a:t>
             </a:fld>
             <a:endParaRPr lang="en-GB"/>
           </a:p>
@@ -1239,7 +1239,7 @@
           <a:p>
             <a:fld id="{C85144DE-560A-46E8-8926-C4F4797BEAE9}" type="datetimeFigureOut">
               <a:rPr lang="en-GB" smtClean="0"/>
-              <a:t>28/09/2020</a:t>
+              <a:t>26/10/2020</a:t>
             </a:fld>
             <a:endParaRPr lang="en-GB"/>
           </a:p>
@@ -1606,7 +1606,7 @@
           <a:p>
             <a:fld id="{C85144DE-560A-46E8-8926-C4F4797BEAE9}" type="datetimeFigureOut">
               <a:rPr lang="en-GB" smtClean="0"/>
-              <a:t>28/09/2020</a:t>
+              <a:t>26/10/2020</a:t>
             </a:fld>
             <a:endParaRPr lang="en-GB"/>
           </a:p>
@@ -1724,7 +1724,7 @@
           <a:p>
             <a:fld id="{C85144DE-560A-46E8-8926-C4F4797BEAE9}" type="datetimeFigureOut">
               <a:rPr lang="en-GB" smtClean="0"/>
-              <a:t>28/09/2020</a:t>
+              <a:t>26/10/2020</a:t>
             </a:fld>
             <a:endParaRPr lang="en-GB"/>
           </a:p>
@@ -1819,7 +1819,7 @@
           <a:p>
             <a:fld id="{C85144DE-560A-46E8-8926-C4F4797BEAE9}" type="datetimeFigureOut">
               <a:rPr lang="en-GB" smtClean="0"/>
-              <a:t>28/09/2020</a:t>
+              <a:t>26/10/2020</a:t>
             </a:fld>
             <a:endParaRPr lang="en-GB"/>
           </a:p>
@@ -2096,7 +2096,7 @@
           <a:p>
             <a:fld id="{C85144DE-560A-46E8-8926-C4F4797BEAE9}" type="datetimeFigureOut">
               <a:rPr lang="en-GB" smtClean="0"/>
-              <a:t>28/09/2020</a:t>
+              <a:t>26/10/2020</a:t>
             </a:fld>
             <a:endParaRPr lang="en-GB"/>
           </a:p>
@@ -2353,7 +2353,7 @@
           <a:p>
             <a:fld id="{C85144DE-560A-46E8-8926-C4F4797BEAE9}" type="datetimeFigureOut">
               <a:rPr lang="en-GB" smtClean="0"/>
-              <a:t>28/09/2020</a:t>
+              <a:t>26/10/2020</a:t>
             </a:fld>
             <a:endParaRPr lang="en-GB"/>
           </a:p>
@@ -2566,7 +2566,7 @@
           <a:p>
             <a:fld id="{C85144DE-560A-46E8-8926-C4F4797BEAE9}" type="datetimeFigureOut">
               <a:rPr lang="en-GB" smtClean="0"/>
-              <a:t>28/09/2020</a:t>
+              <a:t>26/10/2020</a:t>
             </a:fld>
             <a:endParaRPr lang="en-GB"/>
           </a:p>
@@ -3561,7 +3561,14 @@
                 <a:latin typeface="Arial" panose="020B0604020202020204" pitchFamily="34" charset="0"/>
                 <a:cs typeface="Arial" panose="020B0604020202020204" pitchFamily="34" charset="0"/>
               </a:rPr>
-              <a:t>II. Conspecific </a:t>
+              <a:t>III</a:t>
+            </a:r>
+            <a:r>
+              <a:rPr lang="en-GB" sz="1100" dirty="0" smtClean="0">
+                <a:latin typeface="Arial" panose="020B0604020202020204" pitchFamily="34" charset="0"/>
+                <a:cs typeface="Arial" panose="020B0604020202020204" pitchFamily="34" charset="0"/>
+              </a:rPr>
+              <a:t>. Conspecific </a:t>
             </a:r>
             <a:r>
               <a:rPr lang="en-GB" sz="1100" dirty="0">
@@ -3879,7 +3886,21 @@
                 <a:latin typeface="Arial" panose="020B0604020202020204" pitchFamily="34" charset="0"/>
                 <a:cs typeface="Arial" panose="020B0604020202020204" pitchFamily="34" charset="0"/>
               </a:rPr>
-              <a:t>: competitive and cooperative behavioural phenotype, genetic relatedness, resource use, hormonal variation</a:t>
+              <a:t>: competitive and cooperative behavioural </a:t>
+            </a:r>
+            <a:r>
+              <a:rPr lang="en-GB" sz="1100" i="1" dirty="0" smtClean="0">
+                <a:latin typeface="Arial" panose="020B0604020202020204" pitchFamily="34" charset="0"/>
+                <a:cs typeface="Arial" panose="020B0604020202020204" pitchFamily="34" charset="0"/>
+              </a:rPr>
+              <a:t>phenotype, </a:t>
+            </a:r>
+            <a:r>
+              <a:rPr lang="en-GB" sz="1100" i="1" dirty="0" smtClean="0">
+                <a:latin typeface="Arial" panose="020B0604020202020204" pitchFamily="34" charset="0"/>
+                <a:cs typeface="Arial" panose="020B0604020202020204" pitchFamily="34" charset="0"/>
+              </a:rPr>
+              <a:t>resource use, hormonal variation</a:t>
             </a:r>
             <a:endParaRPr lang="en-GB" sz="1100" i="1" dirty="0">
               <a:latin typeface="Arial" panose="020B0604020202020204" pitchFamily="34" charset="0"/>
@@ -3903,7 +3924,7 @@
         <p:spPr>
           <a:xfrm>
             <a:off x="726383" y="1842920"/>
-            <a:ext cx="4467092" cy="941283"/>
+            <a:ext cx="4599156" cy="941283"/>
           </a:xfrm>
           <a:prstGeom prst="rect">
             <a:avLst/>
@@ -3928,8 +3949,33 @@
                 <a:latin typeface="Arial" panose="020B0604020202020204" pitchFamily="34" charset="0"/>
                 <a:cs typeface="Arial" panose="020B0604020202020204" pitchFamily="34" charset="0"/>
               </a:rPr>
-              <a:t>Types of interacting organisms: Any two species with a degree of control over a shared resource</a:t>
-            </a:r>
+              <a:t>Types of interacting organisms: Any two species with a degree of control over a shared </a:t>
+            </a:r>
+            <a:r>
+              <a:rPr lang="en-US" sz="1100" i="1" dirty="0" smtClean="0">
+                <a:latin typeface="Arial" panose="020B0604020202020204" pitchFamily="34" charset="0"/>
+                <a:cs typeface="Arial" panose="020B0604020202020204" pitchFamily="34" charset="0"/>
+              </a:rPr>
+              <a:t>resource</a:t>
+            </a:r>
+            <a:r>
+              <a:rPr lang="en-US" sz="1100" i="1" dirty="0">
+                <a:latin typeface="Arial" panose="020B0604020202020204" pitchFamily="34" charset="0"/>
+                <a:cs typeface="Arial" panose="020B0604020202020204" pitchFamily="34" charset="0"/>
+              </a:rPr>
+              <a:t>, which may include one or both </a:t>
+            </a:r>
+            <a:r>
+              <a:rPr lang="en-US" sz="1100" i="1" dirty="0" smtClean="0">
+                <a:latin typeface="Arial" panose="020B0604020202020204" pitchFamily="34" charset="0"/>
+                <a:cs typeface="Arial" panose="020B0604020202020204" pitchFamily="34" charset="0"/>
+              </a:rPr>
+              <a:t>species</a:t>
+            </a:r>
+            <a:endParaRPr lang="en-US" sz="1100" i="1" dirty="0" smtClean="0">
+              <a:latin typeface="Arial" panose="020B0604020202020204" pitchFamily="34" charset="0"/>
+              <a:cs typeface="Arial" panose="020B0604020202020204" pitchFamily="34" charset="0"/>
+            </a:endParaRPr>
           </a:p>
           <a:p>
             <a:pPr>
@@ -5080,7 +5126,21 @@
                 <a:latin typeface="Arial" panose="020B0604020202020204" pitchFamily="34" charset="0"/>
                 <a:cs typeface="Arial" panose="020B0604020202020204" pitchFamily="34" charset="0"/>
               </a:rPr>
-              <a:t>: male and female partners in a cooperatively breeding pair</a:t>
+              <a:t>: male and female partners in a </a:t>
+            </a:r>
+            <a:r>
+              <a:rPr lang="en-US" sz="1100" i="1" dirty="0" smtClean="0">
+                <a:latin typeface="Arial" panose="020B0604020202020204" pitchFamily="34" charset="0"/>
+                <a:cs typeface="Arial" panose="020B0604020202020204" pitchFamily="34" charset="0"/>
+              </a:rPr>
+              <a:t>breeding </a:t>
+            </a:r>
+            <a:r>
+              <a:rPr lang="en-US" sz="1100" i="1" dirty="0" smtClean="0">
+                <a:latin typeface="Arial" panose="020B0604020202020204" pitchFamily="34" charset="0"/>
+                <a:cs typeface="Arial" panose="020B0604020202020204" pitchFamily="34" charset="0"/>
+              </a:rPr>
+              <a:t>pair</a:t>
             </a:r>
             <a:endParaRPr lang="en-US" sz="1100" i="1" dirty="0">
               <a:latin typeface="Arial" panose="020B0604020202020204" pitchFamily="34" charset="0"/>

--- a/Visualisations/Fig_Continua.pptx
+++ b/Visualisations/Fig_Continua.pptx
@@ -243,7 +243,7 @@
           <a:p>
             <a:fld id="{C85144DE-560A-46E8-8926-C4F4797BEAE9}" type="datetimeFigureOut">
               <a:rPr lang="en-GB" smtClean="0"/>
-              <a:t>26/10/2020</a:t>
+              <a:t>28/10/2020</a:t>
             </a:fld>
             <a:endParaRPr lang="en-GB"/>
           </a:p>
@@ -413,7 +413,7 @@
           <a:p>
             <a:fld id="{C85144DE-560A-46E8-8926-C4F4797BEAE9}" type="datetimeFigureOut">
               <a:rPr lang="en-GB" smtClean="0"/>
-              <a:t>26/10/2020</a:t>
+              <a:t>28/10/2020</a:t>
             </a:fld>
             <a:endParaRPr lang="en-GB"/>
           </a:p>
@@ -593,7 +593,7 @@
           <a:p>
             <a:fld id="{C85144DE-560A-46E8-8926-C4F4797BEAE9}" type="datetimeFigureOut">
               <a:rPr lang="en-GB" smtClean="0"/>
-              <a:t>26/10/2020</a:t>
+              <a:t>28/10/2020</a:t>
             </a:fld>
             <a:endParaRPr lang="en-GB"/>
           </a:p>
@@ -763,7 +763,7 @@
           <a:p>
             <a:fld id="{C85144DE-560A-46E8-8926-C4F4797BEAE9}" type="datetimeFigureOut">
               <a:rPr lang="en-GB" smtClean="0"/>
-              <a:t>26/10/2020</a:t>
+              <a:t>28/10/2020</a:t>
             </a:fld>
             <a:endParaRPr lang="en-GB"/>
           </a:p>
@@ -1007,7 +1007,7 @@
           <a:p>
             <a:fld id="{C85144DE-560A-46E8-8926-C4F4797BEAE9}" type="datetimeFigureOut">
               <a:rPr lang="en-GB" smtClean="0"/>
-              <a:t>26/10/2020</a:t>
+              <a:t>28/10/2020</a:t>
             </a:fld>
             <a:endParaRPr lang="en-GB"/>
           </a:p>
@@ -1239,7 +1239,7 @@
           <a:p>
             <a:fld id="{C85144DE-560A-46E8-8926-C4F4797BEAE9}" type="datetimeFigureOut">
               <a:rPr lang="en-GB" smtClean="0"/>
-              <a:t>26/10/2020</a:t>
+              <a:t>28/10/2020</a:t>
             </a:fld>
             <a:endParaRPr lang="en-GB"/>
           </a:p>
@@ -1606,7 +1606,7 @@
           <a:p>
             <a:fld id="{C85144DE-560A-46E8-8926-C4F4797BEAE9}" type="datetimeFigureOut">
               <a:rPr lang="en-GB" smtClean="0"/>
-              <a:t>26/10/2020</a:t>
+              <a:t>28/10/2020</a:t>
             </a:fld>
             <a:endParaRPr lang="en-GB"/>
           </a:p>
@@ -1724,7 +1724,7 @@
           <a:p>
             <a:fld id="{C85144DE-560A-46E8-8926-C4F4797BEAE9}" type="datetimeFigureOut">
               <a:rPr lang="en-GB" smtClean="0"/>
-              <a:t>26/10/2020</a:t>
+              <a:t>28/10/2020</a:t>
             </a:fld>
             <a:endParaRPr lang="en-GB"/>
           </a:p>
@@ -1819,7 +1819,7 @@
           <a:p>
             <a:fld id="{C85144DE-560A-46E8-8926-C4F4797BEAE9}" type="datetimeFigureOut">
               <a:rPr lang="en-GB" smtClean="0"/>
-              <a:t>26/10/2020</a:t>
+              <a:t>28/10/2020</a:t>
             </a:fld>
             <a:endParaRPr lang="en-GB"/>
           </a:p>
@@ -2096,7 +2096,7 @@
           <a:p>
             <a:fld id="{C85144DE-560A-46E8-8926-C4F4797BEAE9}" type="datetimeFigureOut">
               <a:rPr lang="en-GB" smtClean="0"/>
-              <a:t>26/10/2020</a:t>
+              <a:t>28/10/2020</a:t>
             </a:fld>
             <a:endParaRPr lang="en-GB"/>
           </a:p>
@@ -2353,7 +2353,7 @@
           <a:p>
             <a:fld id="{C85144DE-560A-46E8-8926-C4F4797BEAE9}" type="datetimeFigureOut">
               <a:rPr lang="en-GB" smtClean="0"/>
-              <a:t>26/10/2020</a:t>
+              <a:t>28/10/2020</a:t>
             </a:fld>
             <a:endParaRPr lang="en-GB"/>
           </a:p>
@@ -2566,7 +2566,7 @@
           <a:p>
             <a:fld id="{C85144DE-560A-46E8-8926-C4F4797BEAE9}" type="datetimeFigureOut">
               <a:rPr lang="en-GB" smtClean="0"/>
-              <a:t>26/10/2020</a:t>
+              <a:t>28/10/2020</a:t>
             </a:fld>
             <a:endParaRPr lang="en-GB"/>
           </a:p>
@@ -3561,14 +3561,7 @@
                 <a:latin typeface="Arial" panose="020B0604020202020204" pitchFamily="34" charset="0"/>
                 <a:cs typeface="Arial" panose="020B0604020202020204" pitchFamily="34" charset="0"/>
               </a:rPr>
-              <a:t>III</a:t>
-            </a:r>
-            <a:r>
-              <a:rPr lang="en-GB" sz="1100" dirty="0" smtClean="0">
-                <a:latin typeface="Arial" panose="020B0604020202020204" pitchFamily="34" charset="0"/>
-                <a:cs typeface="Arial" panose="020B0604020202020204" pitchFamily="34" charset="0"/>
-              </a:rPr>
-              <a:t>. Conspecific </a:t>
+              <a:t>III. Conspecific </a:t>
             </a:r>
             <a:r>
               <a:rPr lang="en-GB" sz="1100" dirty="0">
@@ -3750,7 +3743,7 @@
         <p:spPr>
           <a:xfrm>
             <a:off x="726383" y="2954339"/>
-            <a:ext cx="5058747" cy="269241"/>
+            <a:ext cx="5058747" cy="285335"/>
           </a:xfrm>
           <a:prstGeom prst="rect">
             <a:avLst/>
@@ -3775,12 +3768,16 @@
               <a:t>II. Host/symbiont </a:t>
             </a:r>
             <a:r>
-              <a:rPr lang="en-GB" sz="1100" dirty="0">
-                <a:latin typeface="Arial" panose="020B0604020202020204" pitchFamily="34" charset="0"/>
-                <a:cs typeface="Arial" panose="020B0604020202020204" pitchFamily="34" charset="0"/>
-              </a:rPr>
-              <a:t>mutualism-parasitism:</a:t>
-            </a:r>
+              <a:rPr lang="en-GB" sz="1100" dirty="0" smtClean="0">
+                <a:latin typeface="Arial" panose="020B0604020202020204" pitchFamily="34" charset="0"/>
+                <a:cs typeface="Arial" panose="020B0604020202020204" pitchFamily="34" charset="0"/>
+              </a:rPr>
+              <a:t>mutualism-parasitism continuum:</a:t>
+            </a:r>
+            <a:endParaRPr lang="en-GB" sz="1100" dirty="0">
+              <a:latin typeface="Arial" panose="020B0604020202020204" pitchFamily="34" charset="0"/>
+              <a:cs typeface="Arial" panose="020B0604020202020204" pitchFamily="34" charset="0"/>
+            </a:endParaRPr>
           </a:p>
         </p:txBody>
       </p:sp>
@@ -3886,21 +3883,7 @@
                 <a:latin typeface="Arial" panose="020B0604020202020204" pitchFamily="34" charset="0"/>
                 <a:cs typeface="Arial" panose="020B0604020202020204" pitchFamily="34" charset="0"/>
               </a:rPr>
-              <a:t>: competitive and cooperative behavioural </a:t>
-            </a:r>
-            <a:r>
-              <a:rPr lang="en-GB" sz="1100" i="1" dirty="0" smtClean="0">
-                <a:latin typeface="Arial" panose="020B0604020202020204" pitchFamily="34" charset="0"/>
-                <a:cs typeface="Arial" panose="020B0604020202020204" pitchFamily="34" charset="0"/>
-              </a:rPr>
-              <a:t>phenotype, </a:t>
-            </a:r>
-            <a:r>
-              <a:rPr lang="en-GB" sz="1100" i="1" dirty="0" smtClean="0">
-                <a:latin typeface="Arial" panose="020B0604020202020204" pitchFamily="34" charset="0"/>
-                <a:cs typeface="Arial" panose="020B0604020202020204" pitchFamily="34" charset="0"/>
-              </a:rPr>
-              <a:t>resource use, hormonal variation</a:t>
+              <a:t>: competitive and cooperative behavioural phenotype, resource use, hormonal variation</a:t>
             </a:r>
             <a:endParaRPr lang="en-GB" sz="1100" i="1" dirty="0">
               <a:latin typeface="Arial" panose="020B0604020202020204" pitchFamily="34" charset="0"/>
@@ -3949,33 +3932,22 @@
                 <a:latin typeface="Arial" panose="020B0604020202020204" pitchFamily="34" charset="0"/>
                 <a:cs typeface="Arial" panose="020B0604020202020204" pitchFamily="34" charset="0"/>
               </a:rPr>
-              <a:t>Types of interacting organisms: Any two species with a degree of control over a shared </a:t>
+              <a:t>Types of interacting organisms: Any two species with a degree of control over a shared resource</a:t>
+            </a:r>
+            <a:r>
+              <a:rPr lang="en-US" sz="1100" i="1" dirty="0">
+                <a:latin typeface="Arial" panose="020B0604020202020204" pitchFamily="34" charset="0"/>
+                <a:cs typeface="Arial" panose="020B0604020202020204" pitchFamily="34" charset="0"/>
+              </a:rPr>
+              <a:t>, which may include one or both </a:t>
             </a:r>
             <a:r>
               <a:rPr lang="en-US" sz="1100" i="1" dirty="0" smtClean="0">
                 <a:latin typeface="Arial" panose="020B0604020202020204" pitchFamily="34" charset="0"/>
                 <a:cs typeface="Arial" panose="020B0604020202020204" pitchFamily="34" charset="0"/>
               </a:rPr>
-              <a:t>resource</a:t>
-            </a:r>
-            <a:r>
-              <a:rPr lang="en-US" sz="1100" i="1" dirty="0">
-                <a:latin typeface="Arial" panose="020B0604020202020204" pitchFamily="34" charset="0"/>
-                <a:cs typeface="Arial" panose="020B0604020202020204" pitchFamily="34" charset="0"/>
-              </a:rPr>
-              <a:t>, which may include one or both </a:t>
-            </a:r>
-            <a:r>
-              <a:rPr lang="en-US" sz="1100" i="1" dirty="0" smtClean="0">
-                <a:latin typeface="Arial" panose="020B0604020202020204" pitchFamily="34" charset="0"/>
-                <a:cs typeface="Arial" panose="020B0604020202020204" pitchFamily="34" charset="0"/>
-              </a:rPr>
               <a:t>species</a:t>
             </a:r>
-            <a:endParaRPr lang="en-US" sz="1100" i="1" dirty="0" smtClean="0">
-              <a:latin typeface="Arial" panose="020B0604020202020204" pitchFamily="34" charset="0"/>
-              <a:cs typeface="Arial" panose="020B0604020202020204" pitchFamily="34" charset="0"/>
-            </a:endParaRPr>
           </a:p>
           <a:p>
             <a:pPr>
@@ -5126,21 +5098,7 @@
                 <a:latin typeface="Arial" panose="020B0604020202020204" pitchFamily="34" charset="0"/>
                 <a:cs typeface="Arial" panose="020B0604020202020204" pitchFamily="34" charset="0"/>
               </a:rPr>
-              <a:t>: male and female partners in a </a:t>
-            </a:r>
-            <a:r>
-              <a:rPr lang="en-US" sz="1100" i="1" dirty="0" smtClean="0">
-                <a:latin typeface="Arial" panose="020B0604020202020204" pitchFamily="34" charset="0"/>
-                <a:cs typeface="Arial" panose="020B0604020202020204" pitchFamily="34" charset="0"/>
-              </a:rPr>
-              <a:t>breeding </a:t>
-            </a:r>
-            <a:r>
-              <a:rPr lang="en-US" sz="1100" i="1" dirty="0" smtClean="0">
-                <a:latin typeface="Arial" panose="020B0604020202020204" pitchFamily="34" charset="0"/>
-                <a:cs typeface="Arial" panose="020B0604020202020204" pitchFamily="34" charset="0"/>
-              </a:rPr>
-              <a:t>pair</a:t>
+              <a:t>: male and female partners in a breeding pair</a:t>
             </a:r>
             <a:endParaRPr lang="en-US" sz="1100" i="1" dirty="0">
               <a:latin typeface="Arial" panose="020B0604020202020204" pitchFamily="34" charset="0"/>

--- a/Visualisations/Fig_Continua.pptx
+++ b/Visualisations/Fig_Continua.pptx
@@ -154,7 +154,7 @@
           </a:lstStyle>
           <a:p>
             <a:r>
-              <a:rPr lang="en-US" smtClean="0"/>
+              <a:rPr lang="en-US"/>
               <a:t>Click to edit Master title style</a:t>
             </a:r>
             <a:endParaRPr lang="en-US" dirty="0"/>
@@ -219,7 +219,7 @@
           </a:lstStyle>
           <a:p>
             <a:r>
-              <a:rPr lang="en-US" smtClean="0"/>
+              <a:rPr lang="en-US"/>
               <a:t>Click to edit Master subtitle style</a:t>
             </a:r>
             <a:endParaRPr lang="en-US" dirty="0"/>
@@ -243,7 +243,7 @@
           <a:p>
             <a:fld id="{C85144DE-560A-46E8-8926-C4F4797BEAE9}" type="datetimeFigureOut">
               <a:rPr lang="en-GB" smtClean="0"/>
-              <a:t>28/10/2020</a:t>
+              <a:t>30/05/2021</a:t>
             </a:fld>
             <a:endParaRPr lang="en-GB"/>
           </a:p>
@@ -337,7 +337,7 @@
           <a:lstStyle/>
           <a:p>
             <a:r>
-              <a:rPr lang="en-US" smtClean="0"/>
+              <a:rPr lang="en-US"/>
               <a:t>Click to edit Master title style</a:t>
             </a:r>
             <a:endParaRPr lang="en-US" dirty="0"/>
@@ -361,35 +361,35 @@
           <a:p>
             <a:pPr lvl="0"/>
             <a:r>
-              <a:rPr lang="en-US" smtClean="0"/>
+              <a:rPr lang="en-US"/>
               <a:t>Edit Master text styles</a:t>
             </a:r>
           </a:p>
           <a:p>
             <a:pPr lvl="1"/>
             <a:r>
-              <a:rPr lang="en-US" smtClean="0"/>
+              <a:rPr lang="en-US"/>
               <a:t>Second level</a:t>
             </a:r>
           </a:p>
           <a:p>
             <a:pPr lvl="2"/>
             <a:r>
-              <a:rPr lang="en-US" smtClean="0"/>
+              <a:rPr lang="en-US"/>
               <a:t>Third level</a:t>
             </a:r>
           </a:p>
           <a:p>
             <a:pPr lvl="3"/>
             <a:r>
-              <a:rPr lang="en-US" smtClean="0"/>
+              <a:rPr lang="en-US"/>
               <a:t>Fourth level</a:t>
             </a:r>
           </a:p>
           <a:p>
             <a:pPr lvl="4"/>
             <a:r>
-              <a:rPr lang="en-US" smtClean="0"/>
+              <a:rPr lang="en-US"/>
               <a:t>Fifth level</a:t>
             </a:r>
             <a:endParaRPr lang="en-US" dirty="0"/>
@@ -413,7 +413,7 @@
           <a:p>
             <a:fld id="{C85144DE-560A-46E8-8926-C4F4797BEAE9}" type="datetimeFigureOut">
               <a:rPr lang="en-GB" smtClean="0"/>
-              <a:t>28/10/2020</a:t>
+              <a:t>30/05/2021</a:t>
             </a:fld>
             <a:endParaRPr lang="en-GB"/>
           </a:p>
@@ -512,7 +512,7 @@
           <a:lstStyle/>
           <a:p>
             <a:r>
-              <a:rPr lang="en-US" smtClean="0"/>
+              <a:rPr lang="en-US"/>
               <a:t>Click to edit Master title style</a:t>
             </a:r>
             <a:endParaRPr lang="en-US" dirty="0"/>
@@ -541,35 +541,35 @@
           <a:p>
             <a:pPr lvl="0"/>
             <a:r>
-              <a:rPr lang="en-US" smtClean="0"/>
+              <a:rPr lang="en-US"/>
               <a:t>Edit Master text styles</a:t>
             </a:r>
           </a:p>
           <a:p>
             <a:pPr lvl="1"/>
             <a:r>
-              <a:rPr lang="en-US" smtClean="0"/>
+              <a:rPr lang="en-US"/>
               <a:t>Second level</a:t>
             </a:r>
           </a:p>
           <a:p>
             <a:pPr lvl="2"/>
             <a:r>
-              <a:rPr lang="en-US" smtClean="0"/>
+              <a:rPr lang="en-US"/>
               <a:t>Third level</a:t>
             </a:r>
           </a:p>
           <a:p>
             <a:pPr lvl="3"/>
             <a:r>
-              <a:rPr lang="en-US" smtClean="0"/>
+              <a:rPr lang="en-US"/>
               <a:t>Fourth level</a:t>
             </a:r>
           </a:p>
           <a:p>
             <a:pPr lvl="4"/>
             <a:r>
-              <a:rPr lang="en-US" smtClean="0"/>
+              <a:rPr lang="en-US"/>
               <a:t>Fifth level</a:t>
             </a:r>
             <a:endParaRPr lang="en-US" dirty="0"/>
@@ -593,7 +593,7 @@
           <a:p>
             <a:fld id="{C85144DE-560A-46E8-8926-C4F4797BEAE9}" type="datetimeFigureOut">
               <a:rPr lang="en-GB" smtClean="0"/>
-              <a:t>28/10/2020</a:t>
+              <a:t>30/05/2021</a:t>
             </a:fld>
             <a:endParaRPr lang="en-GB"/>
           </a:p>
@@ -687,7 +687,7 @@
           <a:lstStyle/>
           <a:p>
             <a:r>
-              <a:rPr lang="en-US" smtClean="0"/>
+              <a:rPr lang="en-US"/>
               <a:t>Click to edit Master title style</a:t>
             </a:r>
             <a:endParaRPr lang="en-US" dirty="0"/>
@@ -711,35 +711,35 @@
           <a:p>
             <a:pPr lvl="0"/>
             <a:r>
-              <a:rPr lang="en-US" smtClean="0"/>
+              <a:rPr lang="en-US"/>
               <a:t>Edit Master text styles</a:t>
             </a:r>
           </a:p>
           <a:p>
             <a:pPr lvl="1"/>
             <a:r>
-              <a:rPr lang="en-US" smtClean="0"/>
+              <a:rPr lang="en-US"/>
               <a:t>Second level</a:t>
             </a:r>
           </a:p>
           <a:p>
             <a:pPr lvl="2"/>
             <a:r>
-              <a:rPr lang="en-US" smtClean="0"/>
+              <a:rPr lang="en-US"/>
               <a:t>Third level</a:t>
             </a:r>
           </a:p>
           <a:p>
             <a:pPr lvl="3"/>
             <a:r>
-              <a:rPr lang="en-US" smtClean="0"/>
+              <a:rPr lang="en-US"/>
               <a:t>Fourth level</a:t>
             </a:r>
           </a:p>
           <a:p>
             <a:pPr lvl="4"/>
             <a:r>
-              <a:rPr lang="en-US" smtClean="0"/>
+              <a:rPr lang="en-US"/>
               <a:t>Fifth level</a:t>
             </a:r>
             <a:endParaRPr lang="en-US" dirty="0"/>
@@ -763,7 +763,7 @@
           <a:p>
             <a:fld id="{C85144DE-560A-46E8-8926-C4F4797BEAE9}" type="datetimeFigureOut">
               <a:rPr lang="en-GB" smtClean="0"/>
-              <a:t>28/10/2020</a:t>
+              <a:t>30/05/2021</a:t>
             </a:fld>
             <a:endParaRPr lang="en-GB"/>
           </a:p>
@@ -866,7 +866,7 @@
           </a:lstStyle>
           <a:p>
             <a:r>
-              <a:rPr lang="en-US" smtClean="0"/>
+              <a:rPr lang="en-US"/>
               <a:t>Click to edit Master title style</a:t>
             </a:r>
             <a:endParaRPr lang="en-US" dirty="0"/>
@@ -984,7 +984,7 @@
           <a:p>
             <a:pPr lvl="0"/>
             <a:r>
-              <a:rPr lang="en-US" smtClean="0"/>
+              <a:rPr lang="en-US"/>
               <a:t>Edit Master text styles</a:t>
             </a:r>
           </a:p>
@@ -1007,7 +1007,7 @@
           <a:p>
             <a:fld id="{C85144DE-560A-46E8-8926-C4F4797BEAE9}" type="datetimeFigureOut">
               <a:rPr lang="en-GB" smtClean="0"/>
-              <a:t>28/10/2020</a:t>
+              <a:t>30/05/2021</a:t>
             </a:fld>
             <a:endParaRPr lang="en-GB"/>
           </a:p>
@@ -1101,7 +1101,7 @@
           <a:lstStyle/>
           <a:p>
             <a:r>
-              <a:rPr lang="en-US" smtClean="0"/>
+              <a:rPr lang="en-US"/>
               <a:t>Click to edit Master title style</a:t>
             </a:r>
             <a:endParaRPr lang="en-US" dirty="0"/>
@@ -1130,35 +1130,35 @@
           <a:p>
             <a:pPr lvl="0"/>
             <a:r>
-              <a:rPr lang="en-US" smtClean="0"/>
+              <a:rPr lang="en-US"/>
               <a:t>Edit Master text styles</a:t>
             </a:r>
           </a:p>
           <a:p>
             <a:pPr lvl="1"/>
             <a:r>
-              <a:rPr lang="en-US" smtClean="0"/>
+              <a:rPr lang="en-US"/>
               <a:t>Second level</a:t>
             </a:r>
           </a:p>
           <a:p>
             <a:pPr lvl="2"/>
             <a:r>
-              <a:rPr lang="en-US" smtClean="0"/>
+              <a:rPr lang="en-US"/>
               <a:t>Third level</a:t>
             </a:r>
           </a:p>
           <a:p>
             <a:pPr lvl="3"/>
             <a:r>
-              <a:rPr lang="en-US" smtClean="0"/>
+              <a:rPr lang="en-US"/>
               <a:t>Fourth level</a:t>
             </a:r>
           </a:p>
           <a:p>
             <a:pPr lvl="4"/>
             <a:r>
-              <a:rPr lang="en-US" smtClean="0"/>
+              <a:rPr lang="en-US"/>
               <a:t>Fifth level</a:t>
             </a:r>
             <a:endParaRPr lang="en-US" dirty="0"/>
@@ -1187,35 +1187,35 @@
           <a:p>
             <a:pPr lvl="0"/>
             <a:r>
-              <a:rPr lang="en-US" smtClean="0"/>
+              <a:rPr lang="en-US"/>
               <a:t>Edit Master text styles</a:t>
             </a:r>
           </a:p>
           <a:p>
             <a:pPr lvl="1"/>
             <a:r>
-              <a:rPr lang="en-US" smtClean="0"/>
+              <a:rPr lang="en-US"/>
               <a:t>Second level</a:t>
             </a:r>
           </a:p>
           <a:p>
             <a:pPr lvl="2"/>
             <a:r>
-              <a:rPr lang="en-US" smtClean="0"/>
+              <a:rPr lang="en-US"/>
               <a:t>Third level</a:t>
             </a:r>
           </a:p>
           <a:p>
             <a:pPr lvl="3"/>
             <a:r>
-              <a:rPr lang="en-US" smtClean="0"/>
+              <a:rPr lang="en-US"/>
               <a:t>Fourth level</a:t>
             </a:r>
           </a:p>
           <a:p>
             <a:pPr lvl="4"/>
             <a:r>
-              <a:rPr lang="en-US" smtClean="0"/>
+              <a:rPr lang="en-US"/>
               <a:t>Fifth level</a:t>
             </a:r>
             <a:endParaRPr lang="en-US" dirty="0"/>
@@ -1239,7 +1239,7 @@
           <a:p>
             <a:fld id="{C85144DE-560A-46E8-8926-C4F4797BEAE9}" type="datetimeFigureOut">
               <a:rPr lang="en-GB" smtClean="0"/>
-              <a:t>28/10/2020</a:t>
+              <a:t>30/05/2021</a:t>
             </a:fld>
             <a:endParaRPr lang="en-GB"/>
           </a:p>
@@ -1338,7 +1338,7 @@
           <a:lstStyle/>
           <a:p>
             <a:r>
-              <a:rPr lang="en-US" smtClean="0"/>
+              <a:rPr lang="en-US"/>
               <a:t>Click to edit Master title style</a:t>
             </a:r>
             <a:endParaRPr lang="en-US" dirty="0"/>
@@ -1404,7 +1404,7 @@
           <a:p>
             <a:pPr lvl="0"/>
             <a:r>
-              <a:rPr lang="en-US" smtClean="0"/>
+              <a:rPr lang="en-US"/>
               <a:t>Edit Master text styles</a:t>
             </a:r>
           </a:p>
@@ -1432,35 +1432,35 @@
           <a:p>
             <a:pPr lvl="0"/>
             <a:r>
-              <a:rPr lang="en-US" smtClean="0"/>
+              <a:rPr lang="en-US"/>
               <a:t>Edit Master text styles</a:t>
             </a:r>
           </a:p>
           <a:p>
             <a:pPr lvl="1"/>
             <a:r>
-              <a:rPr lang="en-US" smtClean="0"/>
+              <a:rPr lang="en-US"/>
               <a:t>Second level</a:t>
             </a:r>
           </a:p>
           <a:p>
             <a:pPr lvl="2"/>
             <a:r>
-              <a:rPr lang="en-US" smtClean="0"/>
+              <a:rPr lang="en-US"/>
               <a:t>Third level</a:t>
             </a:r>
           </a:p>
           <a:p>
             <a:pPr lvl="3"/>
             <a:r>
-              <a:rPr lang="en-US" smtClean="0"/>
+              <a:rPr lang="en-US"/>
               <a:t>Fourth level</a:t>
             </a:r>
           </a:p>
           <a:p>
             <a:pPr lvl="4"/>
             <a:r>
-              <a:rPr lang="en-US" smtClean="0"/>
+              <a:rPr lang="en-US"/>
               <a:t>Fifth level</a:t>
             </a:r>
             <a:endParaRPr lang="en-US" dirty="0"/>
@@ -1526,7 +1526,7 @@
           <a:p>
             <a:pPr lvl="0"/>
             <a:r>
-              <a:rPr lang="en-US" smtClean="0"/>
+              <a:rPr lang="en-US"/>
               <a:t>Edit Master text styles</a:t>
             </a:r>
           </a:p>
@@ -1554,35 +1554,35 @@
           <a:p>
             <a:pPr lvl="0"/>
             <a:r>
-              <a:rPr lang="en-US" smtClean="0"/>
+              <a:rPr lang="en-US"/>
               <a:t>Edit Master text styles</a:t>
             </a:r>
           </a:p>
           <a:p>
             <a:pPr lvl="1"/>
             <a:r>
-              <a:rPr lang="en-US" smtClean="0"/>
+              <a:rPr lang="en-US"/>
               <a:t>Second level</a:t>
             </a:r>
           </a:p>
           <a:p>
             <a:pPr lvl="2"/>
             <a:r>
-              <a:rPr lang="en-US" smtClean="0"/>
+              <a:rPr lang="en-US"/>
               <a:t>Third level</a:t>
             </a:r>
           </a:p>
           <a:p>
             <a:pPr lvl="3"/>
             <a:r>
-              <a:rPr lang="en-US" smtClean="0"/>
+              <a:rPr lang="en-US"/>
               <a:t>Fourth level</a:t>
             </a:r>
           </a:p>
           <a:p>
             <a:pPr lvl="4"/>
             <a:r>
-              <a:rPr lang="en-US" smtClean="0"/>
+              <a:rPr lang="en-US"/>
               <a:t>Fifth level</a:t>
             </a:r>
             <a:endParaRPr lang="en-US" dirty="0"/>
@@ -1606,7 +1606,7 @@
           <a:p>
             <a:fld id="{C85144DE-560A-46E8-8926-C4F4797BEAE9}" type="datetimeFigureOut">
               <a:rPr lang="en-GB" smtClean="0"/>
-              <a:t>28/10/2020</a:t>
+              <a:t>30/05/2021</a:t>
             </a:fld>
             <a:endParaRPr lang="en-GB"/>
           </a:p>
@@ -1700,7 +1700,7 @@
           <a:lstStyle/>
           <a:p>
             <a:r>
-              <a:rPr lang="en-US" smtClean="0"/>
+              <a:rPr lang="en-US"/>
               <a:t>Click to edit Master title style</a:t>
             </a:r>
             <a:endParaRPr lang="en-US" dirty="0"/>
@@ -1724,7 +1724,7 @@
           <a:p>
             <a:fld id="{C85144DE-560A-46E8-8926-C4F4797BEAE9}" type="datetimeFigureOut">
               <a:rPr lang="en-GB" smtClean="0"/>
-              <a:t>28/10/2020</a:t>
+              <a:t>30/05/2021</a:t>
             </a:fld>
             <a:endParaRPr lang="en-GB"/>
           </a:p>
@@ -1819,7 +1819,7 @@
           <a:p>
             <a:fld id="{C85144DE-560A-46E8-8926-C4F4797BEAE9}" type="datetimeFigureOut">
               <a:rPr lang="en-GB" smtClean="0"/>
-              <a:t>28/10/2020</a:t>
+              <a:t>30/05/2021</a:t>
             </a:fld>
             <a:endParaRPr lang="en-GB"/>
           </a:p>
@@ -1922,7 +1922,7 @@
           </a:lstStyle>
           <a:p>
             <a:r>
-              <a:rPr lang="en-US" smtClean="0"/>
+              <a:rPr lang="en-US"/>
               <a:t>Click to edit Master title style</a:t>
             </a:r>
             <a:endParaRPr lang="en-US" dirty="0"/>
@@ -1979,35 +1979,35 @@
           <a:p>
             <a:pPr lvl="0"/>
             <a:r>
-              <a:rPr lang="en-US" smtClean="0"/>
+              <a:rPr lang="en-US"/>
               <a:t>Edit Master text styles</a:t>
             </a:r>
           </a:p>
           <a:p>
             <a:pPr lvl="1"/>
             <a:r>
-              <a:rPr lang="en-US" smtClean="0"/>
+              <a:rPr lang="en-US"/>
               <a:t>Second level</a:t>
             </a:r>
           </a:p>
           <a:p>
             <a:pPr lvl="2"/>
             <a:r>
-              <a:rPr lang="en-US" smtClean="0"/>
+              <a:rPr lang="en-US"/>
               <a:t>Third level</a:t>
             </a:r>
           </a:p>
           <a:p>
             <a:pPr lvl="3"/>
             <a:r>
-              <a:rPr lang="en-US" smtClean="0"/>
+              <a:rPr lang="en-US"/>
               <a:t>Fourth level</a:t>
             </a:r>
           </a:p>
           <a:p>
             <a:pPr lvl="4"/>
             <a:r>
-              <a:rPr lang="en-US" smtClean="0"/>
+              <a:rPr lang="en-US"/>
               <a:t>Fifth level</a:t>
             </a:r>
             <a:endParaRPr lang="en-US" dirty="0"/>
@@ -2073,7 +2073,7 @@
           <a:p>
             <a:pPr lvl="0"/>
             <a:r>
-              <a:rPr lang="en-US" smtClean="0"/>
+              <a:rPr lang="en-US"/>
               <a:t>Edit Master text styles</a:t>
             </a:r>
           </a:p>
@@ -2096,7 +2096,7 @@
           <a:p>
             <a:fld id="{C85144DE-560A-46E8-8926-C4F4797BEAE9}" type="datetimeFigureOut">
               <a:rPr lang="en-GB" smtClean="0"/>
-              <a:t>28/10/2020</a:t>
+              <a:t>30/05/2021</a:t>
             </a:fld>
             <a:endParaRPr lang="en-GB"/>
           </a:p>
@@ -2199,7 +2199,7 @@
           </a:lstStyle>
           <a:p>
             <a:r>
-              <a:rPr lang="en-US" smtClean="0"/>
+              <a:rPr lang="en-US"/>
               <a:t>Click to edit Master title style</a:t>
             </a:r>
             <a:endParaRPr lang="en-US" dirty="0"/>
@@ -2264,7 +2264,7 @@
           </a:lstStyle>
           <a:p>
             <a:r>
-              <a:rPr lang="en-US" smtClean="0"/>
+              <a:rPr lang="en-US"/>
               <a:t>Click icon to add picture</a:t>
             </a:r>
             <a:endParaRPr lang="en-US" dirty="0"/>
@@ -2330,7 +2330,7 @@
           <a:p>
             <a:pPr lvl="0"/>
             <a:r>
-              <a:rPr lang="en-US" smtClean="0"/>
+              <a:rPr lang="en-US"/>
               <a:t>Edit Master text styles</a:t>
             </a:r>
           </a:p>
@@ -2353,7 +2353,7 @@
           <a:p>
             <a:fld id="{C85144DE-560A-46E8-8926-C4F4797BEAE9}" type="datetimeFigureOut">
               <a:rPr lang="en-GB" smtClean="0"/>
-              <a:t>28/10/2020</a:t>
+              <a:t>30/05/2021</a:t>
             </a:fld>
             <a:endParaRPr lang="en-GB"/>
           </a:p>
@@ -2462,7 +2462,7 @@
           <a:lstStyle/>
           <a:p>
             <a:r>
-              <a:rPr lang="en-US" smtClean="0"/>
+              <a:rPr lang="en-US"/>
               <a:t>Click to edit Master title style</a:t>
             </a:r>
             <a:endParaRPr lang="en-US" dirty="0"/>
@@ -2496,35 +2496,35 @@
           <a:p>
             <a:pPr lvl="0"/>
             <a:r>
-              <a:rPr lang="en-US" smtClean="0"/>
+              <a:rPr lang="en-US"/>
               <a:t>Edit Master text styles</a:t>
             </a:r>
           </a:p>
           <a:p>
             <a:pPr lvl="1"/>
             <a:r>
-              <a:rPr lang="en-US" smtClean="0"/>
+              <a:rPr lang="en-US"/>
               <a:t>Second level</a:t>
             </a:r>
           </a:p>
           <a:p>
             <a:pPr lvl="2"/>
             <a:r>
-              <a:rPr lang="en-US" smtClean="0"/>
+              <a:rPr lang="en-US"/>
               <a:t>Third level</a:t>
             </a:r>
           </a:p>
           <a:p>
             <a:pPr lvl="3"/>
             <a:r>
-              <a:rPr lang="en-US" smtClean="0"/>
+              <a:rPr lang="en-US"/>
               <a:t>Fourth level</a:t>
             </a:r>
           </a:p>
           <a:p>
             <a:pPr lvl="4"/>
             <a:r>
-              <a:rPr lang="en-US" smtClean="0"/>
+              <a:rPr lang="en-US"/>
               <a:t>Fifth level</a:t>
             </a:r>
             <a:endParaRPr lang="en-US" dirty="0"/>
@@ -2566,7 +2566,7 @@
           <a:p>
             <a:fld id="{C85144DE-560A-46E8-8926-C4F4797BEAE9}" type="datetimeFigureOut">
               <a:rPr lang="en-GB" smtClean="0"/>
-              <a:t>28/10/2020</a:t>
+              <a:t>30/05/2021</a:t>
             </a:fld>
             <a:endParaRPr lang="en-GB"/>
           </a:p>
@@ -2985,7 +2985,7 @@
         </p:nvSpPr>
         <p:spPr>
           <a:xfrm>
-            <a:off x="4827459" y="1180407"/>
+            <a:off x="4718807" y="1082796"/>
             <a:ext cx="322406" cy="413896"/>
           </a:xfrm>
           <a:prstGeom prst="rect">
@@ -3004,7 +3004,7 @@
               </a:lnSpc>
             </a:pPr>
             <a:r>
-              <a:rPr lang="en-US" sz="2000" dirty="0" smtClean="0">
+              <a:rPr lang="en-US" sz="2000" dirty="0">
                 <a:latin typeface="Arial" panose="020B0604020202020204" pitchFamily="34" charset="0"/>
                 <a:cs typeface="Arial" panose="020B0604020202020204" pitchFamily="34" charset="0"/>
               </a:rPr>
@@ -3025,7 +3025,7 @@
         </p:nvCxnSpPr>
         <p:spPr>
           <a:xfrm flipV="1">
-            <a:off x="769474" y="847552"/>
+            <a:off x="769474" y="861200"/>
             <a:ext cx="7376160" cy="21136"/>
           </a:xfrm>
           <a:prstGeom prst="line">
@@ -3067,7 +3067,7 @@
         </p:nvSpPr>
         <p:spPr>
           <a:xfrm>
-            <a:off x="699585" y="578314"/>
+            <a:off x="699585" y="591962"/>
             <a:ext cx="2068286" cy="285335"/>
           </a:xfrm>
           <a:prstGeom prst="rect">
@@ -3121,8 +3121,8 @@
         </p:blipFill>
         <p:spPr>
           <a:xfrm>
-            <a:off x="5212830" y="7563115"/>
-            <a:ext cx="1405467" cy="967631"/>
+            <a:off x="5089291" y="7259135"/>
+            <a:ext cx="1376606" cy="947761"/>
           </a:xfrm>
           <a:prstGeom prst="rect">
             <a:avLst/>
@@ -3151,7 +3151,7 @@
         </p:blipFill>
         <p:spPr>
           <a:xfrm flipH="1">
-            <a:off x="6714860" y="8243584"/>
+            <a:off x="6562460" y="7919734"/>
             <a:ext cx="1405467" cy="967631"/>
           </a:xfrm>
           <a:prstGeom prst="rect">
@@ -3159,92 +3159,6 @@
           </a:prstGeom>
         </p:spPr>
       </p:pic>
-      <p:sp>
-        <p:nvSpPr>
-          <p:cNvPr id="106" name="Rectangle 105">
-            <a:extLst>
-              <a:ext uri="{FF2B5EF4-FFF2-40B4-BE49-F238E27FC236}">
-                <a16:creationId xmlns:a16="http://schemas.microsoft.com/office/drawing/2014/main" id="{F5F49C06-7E04-4FCF-9D02-EF1CBF581FF4}"/>
-              </a:ext>
-            </a:extLst>
-          </p:cNvPr>
-          <p:cNvSpPr/>
-          <p:nvPr/>
-        </p:nvSpPr>
-        <p:spPr>
-          <a:xfrm>
-            <a:off x="5325539" y="7416748"/>
-            <a:ext cx="632832" cy="513346"/>
-          </a:xfrm>
-          <a:prstGeom prst="rect">
-            <a:avLst/>
-          </a:prstGeom>
-        </p:spPr>
-        <p:txBody>
-          <a:bodyPr wrap="square">
-            <a:spAutoFit/>
-          </a:bodyPr>
-          <a:lstStyle/>
-          <a:p>
-            <a:pPr>
-              <a:lnSpc>
-                <a:spcPct val="114000"/>
-              </a:lnSpc>
-            </a:pPr>
-            <a:r>
-              <a:rPr lang="en-GB" sz="2400" dirty="0"/>
-              <a:t>♀</a:t>
-            </a:r>
-            <a:endParaRPr lang="en-GB" sz="1400" dirty="0">
-              <a:latin typeface="Arial" panose="020B0604020202020204" pitchFamily="34" charset="0"/>
-              <a:cs typeface="Arial" panose="020B0604020202020204" pitchFamily="34" charset="0"/>
-            </a:endParaRPr>
-          </a:p>
-        </p:txBody>
-      </p:sp>
-      <p:sp>
-        <p:nvSpPr>
-          <p:cNvPr id="107" name="Rectangle 106">
-            <a:extLst>
-              <a:ext uri="{FF2B5EF4-FFF2-40B4-BE49-F238E27FC236}">
-                <a16:creationId xmlns:a16="http://schemas.microsoft.com/office/drawing/2014/main" id="{F5F49C06-7E04-4FCF-9D02-EF1CBF581FF4}"/>
-              </a:ext>
-            </a:extLst>
-          </p:cNvPr>
-          <p:cNvSpPr/>
-          <p:nvPr/>
-        </p:nvSpPr>
-        <p:spPr>
-          <a:xfrm>
-            <a:off x="7719352" y="8046604"/>
-            <a:ext cx="421165" cy="583558"/>
-          </a:xfrm>
-          <a:prstGeom prst="rect">
-            <a:avLst/>
-          </a:prstGeom>
-        </p:spPr>
-        <p:txBody>
-          <a:bodyPr wrap="square">
-            <a:spAutoFit/>
-          </a:bodyPr>
-          <a:lstStyle/>
-          <a:p>
-            <a:pPr>
-              <a:lnSpc>
-                <a:spcPct val="114000"/>
-              </a:lnSpc>
-            </a:pPr>
-            <a:r>
-              <a:rPr lang="en-GB" sz="2800" dirty="0"/>
-              <a:t>♂</a:t>
-            </a:r>
-            <a:endParaRPr lang="en-GB" sz="2800" dirty="0">
-              <a:latin typeface="Arial" panose="020B0604020202020204" pitchFamily="34" charset="0"/>
-              <a:cs typeface="Arial" panose="020B0604020202020204" pitchFamily="34" charset="0"/>
-            </a:endParaRPr>
-          </a:p>
-        </p:txBody>
-      </p:sp>
       <p:pic>
         <p:nvPicPr>
           <p:cNvPr id="108" name="Picture 107"/>
@@ -3267,32 +3181,205 @@
         </p:blipFill>
         <p:spPr>
           <a:xfrm>
-            <a:off x="5260017" y="5458692"/>
-            <a:ext cx="1358280" cy="1297263"/>
+            <a:off x="5198173" y="5221330"/>
+            <a:ext cx="1267724" cy="1210775"/>
           </a:xfrm>
           <a:prstGeom prst="rect">
             <a:avLst/>
           </a:prstGeom>
         </p:spPr>
       </p:pic>
+      <p:sp>
+        <p:nvSpPr>
+          <p:cNvPr id="117" name="Rectangle 116">
+            <a:extLst>
+              <a:ext uri="{FF2B5EF4-FFF2-40B4-BE49-F238E27FC236}">
+                <a16:creationId xmlns:a16="http://schemas.microsoft.com/office/drawing/2014/main" id="{F5F49C06-7E04-4FCF-9D02-EF1CBF581FF4}"/>
+              </a:ext>
+            </a:extLst>
+          </p:cNvPr>
+          <p:cNvSpPr/>
+          <p:nvPr/>
+        </p:nvSpPr>
+        <p:spPr>
+          <a:xfrm>
+            <a:off x="699585" y="4664886"/>
+            <a:ext cx="2068286" cy="285335"/>
+          </a:xfrm>
+          <a:prstGeom prst="rect">
+            <a:avLst/>
+          </a:prstGeom>
+        </p:spPr>
+        <p:txBody>
+          <a:bodyPr wrap="square">
+            <a:spAutoFit/>
+          </a:bodyPr>
+          <a:lstStyle/>
+          <a:p>
+            <a:pPr>
+              <a:lnSpc>
+                <a:spcPct val="114000"/>
+              </a:lnSpc>
+            </a:pPr>
+            <a:r>
+              <a:rPr lang="en-GB" sz="1100" b="1" dirty="0">
+                <a:latin typeface="Arial" panose="020B0604020202020204" pitchFamily="34" charset="0"/>
+                <a:cs typeface="Arial" panose="020B0604020202020204" pitchFamily="34" charset="0"/>
+              </a:rPr>
+              <a:t>Intraspecific-</a:t>
+            </a:r>
+            <a:endParaRPr lang="en-GB" sz="1100" dirty="0">
+              <a:latin typeface="Arial" panose="020B0604020202020204" pitchFamily="34" charset="0"/>
+              <a:cs typeface="Arial" panose="020B0604020202020204" pitchFamily="34" charset="0"/>
+            </a:endParaRPr>
+          </a:p>
+        </p:txBody>
+      </p:sp>
+      <p:sp>
+        <p:nvSpPr>
+          <p:cNvPr id="118" name="Rectangle 117">
+            <a:extLst>
+              <a:ext uri="{FF2B5EF4-FFF2-40B4-BE49-F238E27FC236}">
+                <a16:creationId xmlns:a16="http://schemas.microsoft.com/office/drawing/2014/main" id="{F5F49C06-7E04-4FCF-9D02-EF1CBF581FF4}"/>
+              </a:ext>
+            </a:extLst>
+          </p:cNvPr>
+          <p:cNvSpPr/>
+          <p:nvPr/>
+        </p:nvSpPr>
+        <p:spPr>
+          <a:xfrm>
+            <a:off x="726383" y="9071213"/>
+            <a:ext cx="5058747" cy="269241"/>
+          </a:xfrm>
+          <a:prstGeom prst="rect">
+            <a:avLst/>
+          </a:prstGeom>
+        </p:spPr>
+        <p:txBody>
+          <a:bodyPr wrap="square">
+            <a:spAutoFit/>
+          </a:bodyPr>
+          <a:lstStyle/>
+          <a:p>
+            <a:pPr>
+              <a:lnSpc>
+                <a:spcPct val="114000"/>
+              </a:lnSpc>
+            </a:pPr>
+            <a:r>
+              <a:rPr lang="en-GB" sz="1100" dirty="0">
+                <a:latin typeface="Arial" panose="020B0604020202020204" pitchFamily="34" charset="0"/>
+                <a:cs typeface="Arial" panose="020B0604020202020204" pitchFamily="34" charset="0"/>
+              </a:rPr>
+              <a:t>V. Parent/offspring care-conflict continuum:</a:t>
+            </a:r>
+          </a:p>
+        </p:txBody>
+      </p:sp>
+      <p:sp>
+        <p:nvSpPr>
+          <p:cNvPr id="119" name="Rectangle 118">
+            <a:extLst>
+              <a:ext uri="{FF2B5EF4-FFF2-40B4-BE49-F238E27FC236}">
+                <a16:creationId xmlns:a16="http://schemas.microsoft.com/office/drawing/2014/main" id="{F5F49C06-7E04-4FCF-9D02-EF1CBF581FF4}"/>
+              </a:ext>
+            </a:extLst>
+          </p:cNvPr>
+          <p:cNvSpPr/>
+          <p:nvPr/>
+        </p:nvSpPr>
+        <p:spPr>
+          <a:xfrm>
+            <a:off x="699585" y="7117508"/>
+            <a:ext cx="5058747" cy="269241"/>
+          </a:xfrm>
+          <a:prstGeom prst="rect">
+            <a:avLst/>
+          </a:prstGeom>
+        </p:spPr>
+        <p:txBody>
+          <a:bodyPr wrap="square">
+            <a:spAutoFit/>
+          </a:bodyPr>
+          <a:lstStyle/>
+          <a:p>
+            <a:pPr>
+              <a:lnSpc>
+                <a:spcPct val="114000"/>
+              </a:lnSpc>
+            </a:pPr>
+            <a:r>
+              <a:rPr lang="en-GB" sz="1100" dirty="0">
+                <a:latin typeface="Arial" panose="020B0604020202020204" pitchFamily="34" charset="0"/>
+                <a:cs typeface="Arial" panose="020B0604020202020204" pitchFamily="34" charset="0"/>
+              </a:rPr>
+              <a:t>IV. Female/male cooperation-conflict continuum:</a:t>
+            </a:r>
+          </a:p>
+        </p:txBody>
+      </p:sp>
+      <p:sp>
+        <p:nvSpPr>
+          <p:cNvPr id="120" name="Rectangle 119">
+            <a:extLst>
+              <a:ext uri="{FF2B5EF4-FFF2-40B4-BE49-F238E27FC236}">
+                <a16:creationId xmlns:a16="http://schemas.microsoft.com/office/drawing/2014/main" id="{F5F49C06-7E04-4FCF-9D02-EF1CBF581FF4}"/>
+              </a:ext>
+            </a:extLst>
+          </p:cNvPr>
+          <p:cNvSpPr/>
+          <p:nvPr/>
+        </p:nvSpPr>
+        <p:spPr>
+          <a:xfrm>
+            <a:off x="699585" y="5048780"/>
+            <a:ext cx="5058747" cy="285335"/>
+          </a:xfrm>
+          <a:prstGeom prst="rect">
+            <a:avLst/>
+          </a:prstGeom>
+        </p:spPr>
+        <p:txBody>
+          <a:bodyPr wrap="square">
+            <a:spAutoFit/>
+          </a:bodyPr>
+          <a:lstStyle/>
+          <a:p>
+            <a:pPr>
+              <a:lnSpc>
+                <a:spcPct val="114000"/>
+              </a:lnSpc>
+            </a:pPr>
+            <a:r>
+              <a:rPr lang="en-GB" sz="1100" dirty="0">
+                <a:latin typeface="Arial" panose="020B0604020202020204" pitchFamily="34" charset="0"/>
+                <a:cs typeface="Arial" panose="020B0604020202020204" pitchFamily="34" charset="0"/>
+              </a:rPr>
+              <a:t>III. Conspecific cooperation-competition continuum:</a:t>
+            </a:r>
+          </a:p>
+        </p:txBody>
+      </p:sp>
       <p:cxnSp>
         <p:nvCxnSpPr>
-          <p:cNvPr id="113" name="Straight Connector 112"/>
+          <p:cNvPr id="141" name="Straight Connector 140"/>
           <p:cNvCxnSpPr/>
           <p:nvPr/>
         </p:nvCxnSpPr>
         <p:spPr>
           <a:xfrm flipV="1">
-            <a:off x="6064127" y="5850514"/>
-            <a:ext cx="1133575" cy="1153885"/>
+            <a:off x="769474" y="4929478"/>
+            <a:ext cx="7376160" cy="21136"/>
           </a:xfrm>
           <a:prstGeom prst="line">
             <a:avLst/>
           </a:prstGeom>
-          <a:ln w="19050">
+          <a:ln w="12700">
             <a:solidFill>
               <a:schemeClr val="tx1"/>
             </a:solidFill>
+            <a:prstDash val="solid"/>
           </a:ln>
         </p:spPr>
         <p:style>
@@ -3310,305 +3397,6 @@
           </a:fontRef>
         </p:style>
       </p:cxnSp>
-      <p:cxnSp>
-        <p:nvCxnSpPr>
-          <p:cNvPr id="114" name="Straight Connector 113"/>
-          <p:cNvCxnSpPr/>
-          <p:nvPr/>
-        </p:nvCxnSpPr>
-        <p:spPr>
-          <a:xfrm flipV="1">
-            <a:off x="5955658" y="7838203"/>
-            <a:ext cx="1133575" cy="1153885"/>
-          </a:xfrm>
-          <a:prstGeom prst="line">
-            <a:avLst/>
-          </a:prstGeom>
-          <a:ln w="19050">
-            <a:solidFill>
-              <a:schemeClr val="tx1"/>
-            </a:solidFill>
-          </a:ln>
-        </p:spPr>
-        <p:style>
-          <a:lnRef idx="1">
-            <a:schemeClr val="accent1"/>
-          </a:lnRef>
-          <a:fillRef idx="0">
-            <a:schemeClr val="accent1"/>
-          </a:fillRef>
-          <a:effectRef idx="0">
-            <a:schemeClr val="accent1"/>
-          </a:effectRef>
-          <a:fontRef idx="minor">
-            <a:schemeClr val="tx1"/>
-          </a:fontRef>
-        </p:style>
-      </p:cxnSp>
-      <p:cxnSp>
-        <p:nvCxnSpPr>
-          <p:cNvPr id="115" name="Straight Connector 114"/>
-          <p:cNvCxnSpPr/>
-          <p:nvPr/>
-        </p:nvCxnSpPr>
-        <p:spPr>
-          <a:xfrm flipV="1">
-            <a:off x="5954603" y="9753615"/>
-            <a:ext cx="1133575" cy="1153885"/>
-          </a:xfrm>
-          <a:prstGeom prst="line">
-            <a:avLst/>
-          </a:prstGeom>
-          <a:ln w="19050">
-            <a:solidFill>
-              <a:schemeClr val="tx1"/>
-            </a:solidFill>
-          </a:ln>
-        </p:spPr>
-        <p:style>
-          <a:lnRef idx="1">
-            <a:schemeClr val="accent1"/>
-          </a:lnRef>
-          <a:fillRef idx="0">
-            <a:schemeClr val="accent1"/>
-          </a:fillRef>
-          <a:effectRef idx="0">
-            <a:schemeClr val="accent1"/>
-          </a:effectRef>
-          <a:fontRef idx="minor">
-            <a:schemeClr val="tx1"/>
-          </a:fontRef>
-        </p:style>
-      </p:cxnSp>
-      <p:sp>
-        <p:nvSpPr>
-          <p:cNvPr id="117" name="Rectangle 116">
-            <a:extLst>
-              <a:ext uri="{FF2B5EF4-FFF2-40B4-BE49-F238E27FC236}">
-                <a16:creationId xmlns:a16="http://schemas.microsoft.com/office/drawing/2014/main" id="{F5F49C06-7E04-4FCF-9D02-EF1CBF581FF4}"/>
-              </a:ext>
-            </a:extLst>
-          </p:cNvPr>
-          <p:cNvSpPr/>
-          <p:nvPr/>
-        </p:nvSpPr>
-        <p:spPr>
-          <a:xfrm>
-            <a:off x="699585" y="5077448"/>
-            <a:ext cx="2068286" cy="285335"/>
-          </a:xfrm>
-          <a:prstGeom prst="rect">
-            <a:avLst/>
-          </a:prstGeom>
-        </p:spPr>
-        <p:txBody>
-          <a:bodyPr wrap="square">
-            <a:spAutoFit/>
-          </a:bodyPr>
-          <a:lstStyle/>
-          <a:p>
-            <a:pPr>
-              <a:lnSpc>
-                <a:spcPct val="114000"/>
-              </a:lnSpc>
-            </a:pPr>
-            <a:r>
-              <a:rPr lang="en-GB" sz="1100" b="1" dirty="0">
-                <a:latin typeface="Arial" panose="020B0604020202020204" pitchFamily="34" charset="0"/>
-                <a:cs typeface="Arial" panose="020B0604020202020204" pitchFamily="34" charset="0"/>
-              </a:rPr>
-              <a:t>Intraspecific-</a:t>
-            </a:r>
-            <a:endParaRPr lang="en-GB" sz="1100" dirty="0">
-              <a:latin typeface="Arial" panose="020B0604020202020204" pitchFamily="34" charset="0"/>
-              <a:cs typeface="Arial" panose="020B0604020202020204" pitchFamily="34" charset="0"/>
-            </a:endParaRPr>
-          </a:p>
-        </p:txBody>
-      </p:sp>
-      <p:sp>
-        <p:nvSpPr>
-          <p:cNvPr id="118" name="Rectangle 117">
-            <a:extLst>
-              <a:ext uri="{FF2B5EF4-FFF2-40B4-BE49-F238E27FC236}">
-                <a16:creationId xmlns:a16="http://schemas.microsoft.com/office/drawing/2014/main" id="{F5F49C06-7E04-4FCF-9D02-EF1CBF581FF4}"/>
-              </a:ext>
-            </a:extLst>
-          </p:cNvPr>
-          <p:cNvSpPr/>
-          <p:nvPr/>
-        </p:nvSpPr>
-        <p:spPr>
-          <a:xfrm>
-            <a:off x="726383" y="9395063"/>
-            <a:ext cx="5058747" cy="269241"/>
-          </a:xfrm>
-          <a:prstGeom prst="rect">
-            <a:avLst/>
-          </a:prstGeom>
-        </p:spPr>
-        <p:txBody>
-          <a:bodyPr wrap="square">
-            <a:spAutoFit/>
-          </a:bodyPr>
-          <a:lstStyle/>
-          <a:p>
-            <a:pPr>
-              <a:lnSpc>
-                <a:spcPct val="114000"/>
-              </a:lnSpc>
-            </a:pPr>
-            <a:r>
-              <a:rPr lang="en-GB" sz="1100" dirty="0" smtClean="0">
-                <a:latin typeface="Arial" panose="020B0604020202020204" pitchFamily="34" charset="0"/>
-                <a:cs typeface="Arial" panose="020B0604020202020204" pitchFamily="34" charset="0"/>
-              </a:rPr>
-              <a:t>V. Parent/offspring </a:t>
-            </a:r>
-            <a:r>
-              <a:rPr lang="en-GB" sz="1100" dirty="0">
-                <a:latin typeface="Arial" panose="020B0604020202020204" pitchFamily="34" charset="0"/>
-                <a:cs typeface="Arial" panose="020B0604020202020204" pitchFamily="34" charset="0"/>
-              </a:rPr>
-              <a:t>care-conflict continuum:</a:t>
-            </a:r>
-          </a:p>
-        </p:txBody>
-      </p:sp>
-      <p:sp>
-        <p:nvSpPr>
-          <p:cNvPr id="119" name="Rectangle 118">
-            <a:extLst>
-              <a:ext uri="{FF2B5EF4-FFF2-40B4-BE49-F238E27FC236}">
-                <a16:creationId xmlns:a16="http://schemas.microsoft.com/office/drawing/2014/main" id="{F5F49C06-7E04-4FCF-9D02-EF1CBF581FF4}"/>
-              </a:ext>
-            </a:extLst>
-          </p:cNvPr>
-          <p:cNvSpPr/>
-          <p:nvPr/>
-        </p:nvSpPr>
-        <p:spPr>
-          <a:xfrm>
-            <a:off x="699585" y="7441358"/>
-            <a:ext cx="5058747" cy="269241"/>
-          </a:xfrm>
-          <a:prstGeom prst="rect">
-            <a:avLst/>
-          </a:prstGeom>
-        </p:spPr>
-        <p:txBody>
-          <a:bodyPr wrap="square">
-            <a:spAutoFit/>
-          </a:bodyPr>
-          <a:lstStyle/>
-          <a:p>
-            <a:pPr>
-              <a:lnSpc>
-                <a:spcPct val="114000"/>
-              </a:lnSpc>
-            </a:pPr>
-            <a:r>
-              <a:rPr lang="en-GB" sz="1100" dirty="0" smtClean="0">
-                <a:latin typeface="Arial" panose="020B0604020202020204" pitchFamily="34" charset="0"/>
-                <a:cs typeface="Arial" panose="020B0604020202020204" pitchFamily="34" charset="0"/>
-              </a:rPr>
-              <a:t>IV. Female/male </a:t>
-            </a:r>
-            <a:r>
-              <a:rPr lang="en-GB" sz="1100" dirty="0">
-                <a:latin typeface="Arial" panose="020B0604020202020204" pitchFamily="34" charset="0"/>
-                <a:cs typeface="Arial" panose="020B0604020202020204" pitchFamily="34" charset="0"/>
-              </a:rPr>
-              <a:t>cooperation-conflict continuum:</a:t>
-            </a:r>
-          </a:p>
-        </p:txBody>
-      </p:sp>
-      <p:sp>
-        <p:nvSpPr>
-          <p:cNvPr id="120" name="Rectangle 119">
-            <a:extLst>
-              <a:ext uri="{FF2B5EF4-FFF2-40B4-BE49-F238E27FC236}">
-                <a16:creationId xmlns:a16="http://schemas.microsoft.com/office/drawing/2014/main" id="{F5F49C06-7E04-4FCF-9D02-EF1CBF581FF4}"/>
-              </a:ext>
-            </a:extLst>
-          </p:cNvPr>
-          <p:cNvSpPr/>
-          <p:nvPr/>
-        </p:nvSpPr>
-        <p:spPr>
-          <a:xfrm>
-            <a:off x="699585" y="5461342"/>
-            <a:ext cx="5058747" cy="285335"/>
-          </a:xfrm>
-          <a:prstGeom prst="rect">
-            <a:avLst/>
-          </a:prstGeom>
-        </p:spPr>
-        <p:txBody>
-          <a:bodyPr wrap="square">
-            <a:spAutoFit/>
-          </a:bodyPr>
-          <a:lstStyle/>
-          <a:p>
-            <a:pPr>
-              <a:lnSpc>
-                <a:spcPct val="114000"/>
-              </a:lnSpc>
-            </a:pPr>
-            <a:r>
-              <a:rPr lang="en-GB" sz="1100" dirty="0" smtClean="0">
-                <a:latin typeface="Arial" panose="020B0604020202020204" pitchFamily="34" charset="0"/>
-                <a:cs typeface="Arial" panose="020B0604020202020204" pitchFamily="34" charset="0"/>
-              </a:rPr>
-              <a:t>III. Conspecific </a:t>
-            </a:r>
-            <a:r>
-              <a:rPr lang="en-GB" sz="1100" dirty="0">
-                <a:latin typeface="Arial" panose="020B0604020202020204" pitchFamily="34" charset="0"/>
-                <a:cs typeface="Arial" panose="020B0604020202020204" pitchFamily="34" charset="0"/>
-              </a:rPr>
-              <a:t>cooperation-competition continuum:</a:t>
-            </a:r>
-          </a:p>
-        </p:txBody>
-      </p:sp>
-      <p:cxnSp>
-        <p:nvCxnSpPr>
-          <p:cNvPr id="141" name="Straight Connector 140"/>
-          <p:cNvCxnSpPr/>
-          <p:nvPr/>
-        </p:nvCxnSpPr>
-        <p:spPr>
-          <a:xfrm flipV="1">
-            <a:off x="769474" y="5342040"/>
-            <a:ext cx="7376160" cy="21136"/>
-          </a:xfrm>
-          <a:prstGeom prst="line">
-            <a:avLst/>
-          </a:prstGeom>
-          <a:ln w="12700">
-            <a:solidFill>
-              <a:schemeClr val="tx1"/>
-            </a:solidFill>
-            <a:prstDash val="solid"/>
-          </a:ln>
-        </p:spPr>
-        <p:style>
-          <a:lnRef idx="1">
-            <a:schemeClr val="accent1"/>
-          </a:lnRef>
-          <a:fillRef idx="0">
-            <a:schemeClr val="accent1"/>
-          </a:fillRef>
-          <a:effectRef idx="0">
-            <a:schemeClr val="accent1"/>
-          </a:effectRef>
-          <a:fontRef idx="minor">
-            <a:schemeClr val="tx1"/>
-          </a:fontRef>
-        </p:style>
-      </p:cxnSp>
       <p:sp>
         <p:nvSpPr>
           <p:cNvPr id="142" name="Rectangle 141">
@@ -3623,7 +3411,7 @@
         </p:nvSpPr>
         <p:spPr>
           <a:xfrm>
-            <a:off x="726382" y="935252"/>
+            <a:off x="726382" y="948900"/>
             <a:ext cx="5058747" cy="269241"/>
           </a:xfrm>
           <a:prstGeom prst="rect">
@@ -3642,92 +3430,15 @@
               </a:lnSpc>
             </a:pPr>
             <a:r>
-              <a:rPr lang="en-GB" sz="1100" dirty="0" smtClean="0">
-                <a:latin typeface="Arial" panose="020B0604020202020204" pitchFamily="34" charset="0"/>
-                <a:cs typeface="Arial" panose="020B0604020202020204" pitchFamily="34" charset="0"/>
-              </a:rPr>
-              <a:t>I. Consumer/resource </a:t>
-            </a:r>
-            <a:r>
               <a:rPr lang="en-GB" sz="1100" dirty="0">
                 <a:latin typeface="Arial" panose="020B0604020202020204" pitchFamily="34" charset="0"/>
                 <a:cs typeface="Arial" panose="020B0604020202020204" pitchFamily="34" charset="0"/>
               </a:rPr>
-              <a:t>or plant/animal mutualism-antagonism continuum:</a:t>
-            </a:r>
-          </a:p>
-        </p:txBody>
-      </p:sp>
-      <p:cxnSp>
-        <p:nvCxnSpPr>
-          <p:cNvPr id="143" name="Straight Connector 142"/>
-          <p:cNvCxnSpPr/>
-          <p:nvPr/>
-        </p:nvCxnSpPr>
-        <p:spPr>
-          <a:xfrm flipV="1">
-            <a:off x="6076070" y="3355628"/>
-            <a:ext cx="1133575" cy="1153885"/>
-          </a:xfrm>
-          <a:prstGeom prst="line">
-            <a:avLst/>
-          </a:prstGeom>
-          <a:ln w="19050">
-            <a:solidFill>
-              <a:schemeClr val="tx1"/>
-            </a:solidFill>
-          </a:ln>
-        </p:spPr>
-        <p:style>
-          <a:lnRef idx="1">
-            <a:schemeClr val="accent1"/>
-          </a:lnRef>
-          <a:fillRef idx="0">
-            <a:schemeClr val="accent1"/>
-          </a:fillRef>
-          <a:effectRef idx="0">
-            <a:schemeClr val="accent1"/>
-          </a:effectRef>
-          <a:fontRef idx="minor">
-            <a:schemeClr val="tx1"/>
-          </a:fontRef>
-        </p:style>
-      </p:cxnSp>
-      <p:cxnSp>
-        <p:nvCxnSpPr>
-          <p:cNvPr id="144" name="Straight Connector 143"/>
-          <p:cNvCxnSpPr/>
-          <p:nvPr/>
-        </p:nvCxnSpPr>
-        <p:spPr>
-          <a:xfrm flipV="1">
-            <a:off x="6057427" y="1374553"/>
-            <a:ext cx="1133575" cy="1153885"/>
-          </a:xfrm>
-          <a:prstGeom prst="line">
-            <a:avLst/>
-          </a:prstGeom>
-          <a:ln w="19050">
-            <a:solidFill>
-              <a:schemeClr val="tx1"/>
-            </a:solidFill>
-          </a:ln>
-        </p:spPr>
-        <p:style>
-          <a:lnRef idx="1">
-            <a:schemeClr val="accent1"/>
-          </a:lnRef>
-          <a:fillRef idx="0">
-            <a:schemeClr val="accent1"/>
-          </a:fillRef>
-          <a:effectRef idx="0">
-            <a:schemeClr val="accent1"/>
-          </a:effectRef>
-          <a:fontRef idx="minor">
-            <a:schemeClr val="tx1"/>
-          </a:fontRef>
-        </p:style>
-      </p:cxnSp>
+              <a:t>I. Consumer/resource or plant/animal mutualism-antagonism continuum:</a:t>
+            </a:r>
+          </a:p>
+        </p:txBody>
+      </p:sp>
       <p:sp>
         <p:nvSpPr>
           <p:cNvPr id="145" name="Rectangle 144">
@@ -3742,7 +3453,7 @@
         </p:nvSpPr>
         <p:spPr>
           <a:xfrm>
-            <a:off x="726383" y="2954339"/>
+            <a:off x="762798" y="2704980"/>
             <a:ext cx="5058747" cy="285335"/>
           </a:xfrm>
           <a:prstGeom prst="rect">
@@ -3761,23 +3472,12 @@
               </a:lnSpc>
             </a:pPr>
             <a:r>
-              <a:rPr lang="en-GB" sz="1100" dirty="0" smtClean="0">
+              <a:rPr lang="en-GB" sz="1100" dirty="0">
                 <a:latin typeface="Arial" panose="020B0604020202020204" pitchFamily="34" charset="0"/>
                 <a:cs typeface="Arial" panose="020B0604020202020204" pitchFamily="34" charset="0"/>
               </a:rPr>
-              <a:t>II. Host/symbiont </a:t>
-            </a:r>
-            <a:r>
-              <a:rPr lang="en-GB" sz="1100" dirty="0" smtClean="0">
-                <a:latin typeface="Arial" panose="020B0604020202020204" pitchFamily="34" charset="0"/>
-                <a:cs typeface="Arial" panose="020B0604020202020204" pitchFamily="34" charset="0"/>
-              </a:rPr>
-              <a:t>mutualism-parasitism continuum:</a:t>
-            </a:r>
-            <a:endParaRPr lang="en-GB" sz="1100" dirty="0">
-              <a:latin typeface="Arial" panose="020B0604020202020204" pitchFamily="34" charset="0"/>
-              <a:cs typeface="Arial" panose="020B0604020202020204" pitchFamily="34" charset="0"/>
-            </a:endParaRPr>
+              <a:t>II. Host/symbiont mutualism-parasitism continuum:</a:t>
+            </a:r>
           </a:p>
         </p:txBody>
       </p:sp>
@@ -3803,7 +3503,7 @@
         </p:blipFill>
         <p:spPr>
           <a:xfrm>
-            <a:off x="6656049" y="6306519"/>
+            <a:off x="6503649" y="5982669"/>
             <a:ext cx="1267724" cy="1210775"/>
           </a:xfrm>
           <a:prstGeom prst="rect">
@@ -3825,7 +3525,7 @@
         </p:nvSpPr>
         <p:spPr>
           <a:xfrm>
-            <a:off x="726383" y="6330135"/>
+            <a:off x="726383" y="6006285"/>
             <a:ext cx="4565551" cy="941283"/>
           </a:xfrm>
           <a:prstGeom prst="rect">
@@ -3851,19 +3551,8 @@
                 <a:latin typeface="Arial" panose="020B0604020202020204" pitchFamily="34" charset="0"/>
                 <a:cs typeface="Arial" panose="020B0604020202020204" pitchFamily="34" charset="0"/>
               </a:rPr>
-              <a:t>Types of interacting organisms</a:t>
-            </a:r>
-            <a:r>
-              <a:rPr lang="en-US" sz="1100" i="1" dirty="0" smtClean="0">
-                <a:latin typeface="Arial" panose="020B0604020202020204" pitchFamily="34" charset="0"/>
-                <a:cs typeface="Arial" panose="020B0604020202020204" pitchFamily="34" charset="0"/>
-              </a:rPr>
-              <a:t>: conspecifics in socially interacting dyads or networks; cooperative breeding groups </a:t>
-            </a:r>
-            <a:endParaRPr lang="en-US" sz="1100" i="1" dirty="0">
-              <a:latin typeface="Arial" panose="020B0604020202020204" pitchFamily="34" charset="0"/>
-              <a:cs typeface="Arial" panose="020B0604020202020204" pitchFamily="34" charset="0"/>
-            </a:endParaRPr>
+              <a:t>Types of interacting organisms: related or unrelated conspecifics in socially interacting dyads or networks; cooperative breeding groups </a:t>
+            </a:r>
           </a:p>
           <a:p>
             <a:pPr>
@@ -3876,19 +3565,8 @@
                 <a:latin typeface="Arial" panose="020B0604020202020204" pitchFamily="34" charset="0"/>
                 <a:cs typeface="Arial" panose="020B0604020202020204" pitchFamily="34" charset="0"/>
               </a:rPr>
-              <a:t>Examples of relevant ITV </a:t>
-            </a:r>
-            <a:r>
-              <a:rPr lang="en-GB" sz="1100" i="1" dirty="0" smtClean="0">
-                <a:latin typeface="Arial" panose="020B0604020202020204" pitchFamily="34" charset="0"/>
-                <a:cs typeface="Arial" panose="020B0604020202020204" pitchFamily="34" charset="0"/>
-              </a:rPr>
-              <a:t>: competitive and cooperative behavioural phenotype, resource use, hormonal variation</a:t>
-            </a:r>
-            <a:endParaRPr lang="en-GB" sz="1100" i="1" dirty="0">
-              <a:latin typeface="Arial" panose="020B0604020202020204" pitchFamily="34" charset="0"/>
-              <a:cs typeface="Arial" panose="020B0604020202020204" pitchFamily="34" charset="0"/>
-            </a:endParaRPr>
+              <a:t>Examples of relevant ITV : competitive and cooperative behavioural phenotype, resource use, hormonal variation</a:t>
+            </a:r>
           </a:p>
         </p:txBody>
       </p:sp>
@@ -3906,7 +3584,7 @@
         </p:nvSpPr>
         <p:spPr>
           <a:xfrm>
-            <a:off x="726383" y="1842920"/>
+            <a:off x="726382" y="1653429"/>
             <a:ext cx="4599156" cy="941283"/>
           </a:xfrm>
           <a:prstGeom prst="rect">
@@ -3928,25 +3606,11 @@
               </a:spcAft>
             </a:pPr>
             <a:r>
-              <a:rPr lang="en-US" sz="1100" i="1" dirty="0" smtClean="0">
-                <a:latin typeface="Arial" panose="020B0604020202020204" pitchFamily="34" charset="0"/>
-                <a:cs typeface="Arial" panose="020B0604020202020204" pitchFamily="34" charset="0"/>
-              </a:rPr>
-              <a:t>Types of interacting organisms: Any two species with a degree of control over a shared resource</a:t>
-            </a:r>
-            <a:r>
               <a:rPr lang="en-US" sz="1100" i="1" dirty="0">
                 <a:latin typeface="Arial" panose="020B0604020202020204" pitchFamily="34" charset="0"/>
                 <a:cs typeface="Arial" panose="020B0604020202020204" pitchFamily="34" charset="0"/>
               </a:rPr>
-              <a:t>, which may include one or both </a:t>
-            </a:r>
-            <a:r>
-              <a:rPr lang="en-US" sz="1100" i="1" dirty="0" smtClean="0">
-                <a:latin typeface="Arial" panose="020B0604020202020204" pitchFamily="34" charset="0"/>
-                <a:cs typeface="Arial" panose="020B0604020202020204" pitchFamily="34" charset="0"/>
-              </a:rPr>
-              <a:t>species</a:t>
+              <a:t>Types of interacting organisms: Any two species with a degree of control over a shared resource, which may include one or both species</a:t>
             </a:r>
           </a:p>
           <a:p>
@@ -3963,47 +3627,8 @@
                 <a:latin typeface="Arial" panose="020B0604020202020204" pitchFamily="34" charset="0"/>
                 <a:cs typeface="Arial" panose="020B0604020202020204" pitchFamily="34" charset="0"/>
               </a:rPr>
-              <a:t>Examples of relevant </a:t>
-            </a:r>
-            <a:r>
-              <a:rPr lang="en-GB" sz="1100" i="1" dirty="0" smtClean="0">
-                <a:latin typeface="Arial" panose="020B0604020202020204" pitchFamily="34" charset="0"/>
-                <a:cs typeface="Arial" panose="020B0604020202020204" pitchFamily="34" charset="0"/>
-              </a:rPr>
-              <a:t>ITV: foraging </a:t>
-            </a:r>
-            <a:r>
-              <a:rPr lang="en-GB" sz="1100" i="1" dirty="0">
-                <a:latin typeface="Arial" panose="020B0604020202020204" pitchFamily="34" charset="0"/>
-                <a:cs typeface="Arial" panose="020B0604020202020204" pitchFamily="34" charset="0"/>
-              </a:rPr>
-              <a:t>tactics or preferences, </a:t>
-            </a:r>
-            <a:r>
-              <a:rPr lang="en-GB" sz="1100" i="1" dirty="0" smtClean="0">
-                <a:latin typeface="Arial" panose="020B0604020202020204" pitchFamily="34" charset="0"/>
-                <a:cs typeface="Arial" panose="020B0604020202020204" pitchFamily="34" charset="0"/>
-              </a:rPr>
-              <a:t>competitor </a:t>
-            </a:r>
-            <a:r>
-              <a:rPr lang="en-GB" sz="1100" i="1" dirty="0">
-                <a:latin typeface="Arial" panose="020B0604020202020204" pitchFamily="34" charset="0"/>
-                <a:cs typeface="Arial" panose="020B0604020202020204" pitchFamily="34" charset="0"/>
-              </a:rPr>
-              <a:t>avoidance behaviour; pollination rewards and seed production </a:t>
-            </a:r>
-            <a:r>
-              <a:rPr lang="en-GB" sz="1100" i="1" dirty="0" smtClean="0">
-                <a:latin typeface="Arial" panose="020B0604020202020204" pitchFamily="34" charset="0"/>
-                <a:cs typeface="Arial" panose="020B0604020202020204" pitchFamily="34" charset="0"/>
-              </a:rPr>
-              <a:t>rates </a:t>
-            </a:r>
-            <a:endParaRPr lang="en-GB" sz="1100" i="1" dirty="0">
-              <a:latin typeface="Arial" panose="020B0604020202020204" pitchFamily="34" charset="0"/>
-              <a:cs typeface="Arial" panose="020B0604020202020204" pitchFamily="34" charset="0"/>
-            </a:endParaRPr>
+              <a:t>Examples of relevant ITV: foraging tactics or preferences, competitor avoidance behaviour; pollination rewards and seed production rates </a:t>
+            </a:r>
           </a:p>
         </p:txBody>
       </p:sp>
@@ -4015,8 +3640,8 @@
         </p:nvGrpSpPr>
         <p:grpSpPr>
           <a:xfrm>
-            <a:off x="6580831" y="1799387"/>
-            <a:ext cx="1673527" cy="1337042"/>
+            <a:off x="6483854" y="1852461"/>
+            <a:ext cx="1412599" cy="1112717"/>
             <a:chOff x="6959161" y="1620891"/>
             <a:chExt cx="1673527" cy="1337042"/>
           </a:xfrm>
@@ -4167,7 +3792,7 @@
         </p:blipFill>
         <p:spPr>
           <a:xfrm flipH="1">
-            <a:off x="5770317" y="985101"/>
+            <a:off x="5617917" y="985101"/>
             <a:ext cx="865937" cy="1499470"/>
           </a:xfrm>
           <a:prstGeom prst="rect">
@@ -4197,7 +3822,7 @@
         </p:blipFill>
         <p:spPr>
           <a:xfrm rot="4361398">
-            <a:off x="6334087" y="3549888"/>
+            <a:off x="6190224" y="3234597"/>
             <a:ext cx="2052088" cy="1653294"/>
           </a:xfrm>
           <a:prstGeom prst="rect">
@@ -4227,7 +3852,7 @@
         </p:blipFill>
         <p:spPr>
           <a:xfrm rot="5400000">
-            <a:off x="5604499" y="3503688"/>
+            <a:off x="5609103" y="3291151"/>
             <a:ext cx="627625" cy="744714"/>
           </a:xfrm>
           <a:prstGeom prst="rect">
@@ -4257,7 +3882,7 @@
         </p:blipFill>
         <p:spPr>
           <a:xfrm rot="2887419">
-            <a:off x="5489603" y="3317457"/>
+            <a:off x="5494207" y="3104920"/>
             <a:ext cx="561428" cy="666167"/>
           </a:xfrm>
           <a:prstGeom prst="rect">
@@ -4287,7 +3912,7 @@
         </p:blipFill>
         <p:spPr>
           <a:xfrm rot="16532067">
-            <a:off x="5634850" y="3251028"/>
+            <a:off x="5639454" y="3038491"/>
             <a:ext cx="561428" cy="666167"/>
           </a:xfrm>
           <a:prstGeom prst="rect">
@@ -4309,7 +3934,7 @@
         </p:nvSpPr>
         <p:spPr>
           <a:xfrm>
-            <a:off x="758738" y="1506326"/>
+            <a:off x="762798" y="1374343"/>
             <a:ext cx="4849789" cy="267766"/>
           </a:xfrm>
           <a:prstGeom prst="rect">
@@ -4331,107 +3956,15 @@
               </a:spcAft>
             </a:pPr>
             <a:r>
-              <a:rPr lang="en-US" sz="1000" i="1" dirty="0" smtClean="0">
-                <a:latin typeface="Arial" panose="020B0604020202020204" pitchFamily="34" charset="0"/>
-                <a:cs typeface="Arial" panose="020B0604020202020204" pitchFamily="34" charset="0"/>
-              </a:rPr>
-              <a:t>mutualism 				</a:t>
-            </a:r>
-            <a:r>
               <a:rPr lang="en-US" sz="1000" i="1" dirty="0">
                 <a:latin typeface="Arial" panose="020B0604020202020204" pitchFamily="34" charset="0"/>
                 <a:cs typeface="Arial" panose="020B0604020202020204" pitchFamily="34" charset="0"/>
               </a:rPr>
-              <a:t>	</a:t>
-            </a:r>
-            <a:r>
-              <a:rPr lang="en-US" sz="1000" i="1" dirty="0" smtClean="0">
-                <a:latin typeface="Arial" panose="020B0604020202020204" pitchFamily="34" charset="0"/>
-                <a:cs typeface="Arial" panose="020B0604020202020204" pitchFamily="34" charset="0"/>
-              </a:rPr>
-              <a:t>                     antagonism</a:t>
-            </a:r>
-            <a:endParaRPr lang="en-US" sz="1000" i="1" dirty="0">
-              <a:latin typeface="Arial" panose="020B0604020202020204" pitchFamily="34" charset="0"/>
-              <a:cs typeface="Arial" panose="020B0604020202020204" pitchFamily="34" charset="0"/>
-            </a:endParaRPr>
-          </a:p>
-        </p:txBody>
-      </p:sp>
-      <p:cxnSp>
-        <p:nvCxnSpPr>
-          <p:cNvPr id="68" name="Straight Arrow Connector 67"/>
-          <p:cNvCxnSpPr/>
-          <p:nvPr/>
-        </p:nvCxnSpPr>
-        <p:spPr>
-          <a:xfrm flipV="1">
-            <a:off x="988042" y="1355619"/>
-            <a:ext cx="3916120" cy="9243"/>
-          </a:xfrm>
-          <a:prstGeom prst="straightConnector1">
-            <a:avLst/>
-          </a:prstGeom>
-          <a:ln w="19050">
-            <a:solidFill>
-              <a:schemeClr val="tx1"/>
-            </a:solidFill>
-            <a:headEnd type="triangle"/>
-            <a:tailEnd type="triangle"/>
-          </a:ln>
-        </p:spPr>
-        <p:style>
-          <a:lnRef idx="1">
-            <a:schemeClr val="accent1"/>
-          </a:lnRef>
-          <a:fillRef idx="0">
-            <a:schemeClr val="accent1"/>
-          </a:fillRef>
-          <a:effectRef idx="0">
-            <a:schemeClr val="accent1"/>
-          </a:effectRef>
-          <a:fontRef idx="minor">
-            <a:schemeClr val="tx1"/>
-          </a:fontRef>
-        </p:style>
-      </p:cxnSp>
-      <p:cxnSp>
-        <p:nvCxnSpPr>
-          <p:cNvPr id="69" name="Straight Arrow Connector 68"/>
-          <p:cNvCxnSpPr/>
-          <p:nvPr/>
-        </p:nvCxnSpPr>
-        <p:spPr>
-          <a:xfrm flipV="1">
-            <a:off x="983441" y="1488506"/>
-            <a:ext cx="3915641" cy="3947"/>
-          </a:xfrm>
-          <a:prstGeom prst="straightConnector1">
-            <a:avLst/>
-          </a:prstGeom>
-          <a:ln w="19050">
-            <a:solidFill>
-              <a:schemeClr val="tx1"/>
-            </a:solidFill>
-            <a:headEnd type="triangle"/>
-            <a:tailEnd type="triangle"/>
-          </a:ln>
-        </p:spPr>
-        <p:style>
-          <a:lnRef idx="1">
-            <a:schemeClr val="accent1"/>
-          </a:lnRef>
-          <a:fillRef idx="0">
-            <a:schemeClr val="accent1"/>
-          </a:fillRef>
-          <a:effectRef idx="0">
-            <a:schemeClr val="accent1"/>
-          </a:effectRef>
-          <a:fontRef idx="minor">
-            <a:schemeClr val="tx1"/>
-          </a:fontRef>
-        </p:style>
-      </p:cxnSp>
+              <a:t>mutualism 					                     antagonism</a:t>
+            </a:r>
+          </a:p>
+        </p:txBody>
+      </p:sp>
       <p:sp>
         <p:nvSpPr>
           <p:cNvPr id="71" name="Rectangle 70">
@@ -4446,7 +3979,7 @@
         </p:nvSpPr>
         <p:spPr>
           <a:xfrm>
-            <a:off x="754898" y="1231839"/>
+            <a:off x="754898" y="1137172"/>
             <a:ext cx="308687" cy="408125"/>
           </a:xfrm>
           <a:prstGeom prst="rect">
@@ -4492,7 +4025,7 @@
         </p:nvSpPr>
         <p:spPr>
           <a:xfrm>
-            <a:off x="736053" y="3837948"/>
+            <a:off x="731323" y="3385158"/>
             <a:ext cx="4555882" cy="1134285"/>
           </a:xfrm>
           <a:prstGeom prst="rect">
@@ -4514,35 +4047,35 @@
               </a:spcAft>
             </a:pPr>
             <a:r>
-              <a:rPr lang="en-US" sz="1100" i="1" dirty="0" smtClean="0">
+              <a:rPr lang="en-US" sz="1100" i="1" dirty="0">
                 <a:latin typeface="Arial" panose="020B0604020202020204" pitchFamily="34" charset="0"/>
                 <a:cs typeface="Arial" panose="020B0604020202020204" pitchFamily="34" charset="0"/>
               </a:rPr>
               <a:t>Types of interacting organisms: host species and their </a:t>
             </a:r>
             <a:r>
-              <a:rPr lang="en-US" sz="1100" i="1" dirty="0" err="1" smtClean="0">
+              <a:rPr lang="en-US" sz="1100" i="1" dirty="0" err="1">
                 <a:latin typeface="Arial" panose="020B0604020202020204" pitchFamily="34" charset="0"/>
                 <a:cs typeface="Arial" panose="020B0604020202020204" pitchFamily="34" charset="0"/>
               </a:rPr>
               <a:t>endosymbiotic</a:t>
             </a:r>
             <a:r>
-              <a:rPr lang="en-US" sz="1100" i="1" dirty="0" smtClean="0">
+              <a:rPr lang="en-US" sz="1100" i="1" dirty="0">
                 <a:latin typeface="Arial" panose="020B0604020202020204" pitchFamily="34" charset="0"/>
                 <a:cs typeface="Arial" panose="020B0604020202020204" pitchFamily="34" charset="0"/>
               </a:rPr>
               <a:t> or </a:t>
             </a:r>
             <a:r>
-              <a:rPr lang="en-US" sz="1100" i="1" dirty="0" err="1" smtClean="0">
+              <a:rPr lang="en-US" sz="1100" i="1" dirty="0" err="1">
                 <a:latin typeface="Arial" panose="020B0604020202020204" pitchFamily="34" charset="0"/>
                 <a:cs typeface="Arial" panose="020B0604020202020204" pitchFamily="34" charset="0"/>
               </a:rPr>
               <a:t>ectosymbiotic</a:t>
             </a:r>
             <a:r>
-              <a:rPr lang="en-US" sz="1100" i="1" dirty="0" smtClean="0">
+              <a:rPr lang="en-US" sz="1100" i="1" dirty="0">
                 <a:latin typeface="Arial" panose="020B0604020202020204" pitchFamily="34" charset="0"/>
                 <a:cs typeface="Arial" panose="020B0604020202020204" pitchFamily="34" charset="0"/>
               </a:rPr>
@@ -4563,33 +4096,8 @@
                 <a:latin typeface="Arial" panose="020B0604020202020204" pitchFamily="34" charset="0"/>
                 <a:cs typeface="Arial" panose="020B0604020202020204" pitchFamily="34" charset="0"/>
               </a:rPr>
-              <a:t>Examples of relevant </a:t>
-            </a:r>
-            <a:r>
-              <a:rPr lang="en-GB" sz="1100" i="1" dirty="0" smtClean="0">
-                <a:latin typeface="Arial" panose="020B0604020202020204" pitchFamily="34" charset="0"/>
-                <a:cs typeface="Arial" panose="020B0604020202020204" pitchFamily="34" charset="0"/>
-              </a:rPr>
-              <a:t>ITV: </a:t>
-            </a:r>
-            <a:r>
-              <a:rPr lang="en-GB" sz="1100" i="1" dirty="0">
-                <a:latin typeface="Arial" panose="020B0604020202020204" pitchFamily="34" charset="0"/>
-                <a:cs typeface="Arial" panose="020B0604020202020204" pitchFamily="34" charset="0"/>
-              </a:rPr>
-              <a:t>symbiont </a:t>
-            </a:r>
-            <a:r>
-              <a:rPr lang="en-GB" sz="1100" i="1" dirty="0" smtClean="0">
-                <a:latin typeface="Arial" panose="020B0604020202020204" pitchFamily="34" charset="0"/>
-                <a:cs typeface="Arial" panose="020B0604020202020204" pitchFamily="34" charset="0"/>
-              </a:rPr>
-              <a:t>dependence, protective effects against pathogens/predators/parasites, exploiting or cheating behavioural phenotypes</a:t>
-            </a:r>
-            <a:endParaRPr lang="en-GB" sz="1100" i="1" dirty="0">
-              <a:latin typeface="Arial" panose="020B0604020202020204" pitchFamily="34" charset="0"/>
-              <a:cs typeface="Arial" panose="020B0604020202020204" pitchFamily="34" charset="0"/>
-            </a:endParaRPr>
+              <a:t>Examples of relevant ITV: symbiont dependence, protective effects against pathogens/predators/parasites, exploiting or cheating behavioural phenotypes</a:t>
+            </a:r>
           </a:p>
         </p:txBody>
       </p:sp>
@@ -4607,7 +4115,7 @@
         </p:nvSpPr>
         <p:spPr>
           <a:xfrm>
-            <a:off x="756896" y="3496292"/>
+            <a:off x="729390" y="3132768"/>
             <a:ext cx="4849789" cy="267766"/>
           </a:xfrm>
           <a:prstGeom prst="rect">
@@ -4629,196 +4137,12 @@
               </a:spcAft>
             </a:pPr>
             <a:r>
-              <a:rPr lang="en-US" sz="1000" i="1" dirty="0" smtClean="0">
-                <a:latin typeface="Arial" panose="020B0604020202020204" pitchFamily="34" charset="0"/>
-                <a:cs typeface="Arial" panose="020B0604020202020204" pitchFamily="34" charset="0"/>
-              </a:rPr>
-              <a:t>mutualism 				</a:t>
-            </a:r>
-            <a:r>
               <a:rPr lang="en-US" sz="1000" i="1" dirty="0">
                 <a:latin typeface="Arial" panose="020B0604020202020204" pitchFamily="34" charset="0"/>
                 <a:cs typeface="Arial" panose="020B0604020202020204" pitchFamily="34" charset="0"/>
               </a:rPr>
-              <a:t>	</a:t>
-            </a:r>
-            <a:r>
-              <a:rPr lang="en-US" sz="1000" i="1" dirty="0" smtClean="0">
-                <a:latin typeface="Arial" panose="020B0604020202020204" pitchFamily="34" charset="0"/>
-                <a:cs typeface="Arial" panose="020B0604020202020204" pitchFamily="34" charset="0"/>
-              </a:rPr>
-              <a:t>                       parasitism</a:t>
-            </a:r>
-            <a:endParaRPr lang="en-US" sz="1000" i="1" dirty="0">
-              <a:latin typeface="Arial" panose="020B0604020202020204" pitchFamily="34" charset="0"/>
-              <a:cs typeface="Arial" panose="020B0604020202020204" pitchFamily="34" charset="0"/>
-            </a:endParaRPr>
-          </a:p>
-        </p:txBody>
-      </p:sp>
-      <p:cxnSp>
-        <p:nvCxnSpPr>
-          <p:cNvPr id="111" name="Straight Arrow Connector 110"/>
-          <p:cNvCxnSpPr/>
-          <p:nvPr/>
-        </p:nvCxnSpPr>
-        <p:spPr>
-          <a:xfrm flipV="1">
-            <a:off x="997086" y="3345585"/>
-            <a:ext cx="3916120" cy="9243"/>
-          </a:xfrm>
-          <a:prstGeom prst="straightConnector1">
-            <a:avLst/>
-          </a:prstGeom>
-          <a:ln w="19050">
-            <a:solidFill>
-              <a:schemeClr val="tx1"/>
-            </a:solidFill>
-            <a:headEnd type="triangle"/>
-            <a:tailEnd type="triangle"/>
-          </a:ln>
-        </p:spPr>
-        <p:style>
-          <a:lnRef idx="1">
-            <a:schemeClr val="accent1"/>
-          </a:lnRef>
-          <a:fillRef idx="0">
-            <a:schemeClr val="accent1"/>
-          </a:fillRef>
-          <a:effectRef idx="0">
-            <a:schemeClr val="accent1"/>
-          </a:effectRef>
-          <a:fontRef idx="minor">
-            <a:schemeClr val="tx1"/>
-          </a:fontRef>
-        </p:style>
-      </p:cxnSp>
-      <p:cxnSp>
-        <p:nvCxnSpPr>
-          <p:cNvPr id="112" name="Straight Arrow Connector 111"/>
-          <p:cNvCxnSpPr/>
-          <p:nvPr/>
-        </p:nvCxnSpPr>
-        <p:spPr>
-          <a:xfrm flipV="1">
-            <a:off x="997565" y="3478472"/>
-            <a:ext cx="3915641" cy="3947"/>
-          </a:xfrm>
-          <a:prstGeom prst="straightConnector1">
-            <a:avLst/>
-          </a:prstGeom>
-          <a:ln w="19050">
-            <a:solidFill>
-              <a:schemeClr val="tx1"/>
-            </a:solidFill>
-            <a:headEnd type="triangle"/>
-            <a:tailEnd type="triangle"/>
-          </a:ln>
-        </p:spPr>
-        <p:style>
-          <a:lnRef idx="1">
-            <a:schemeClr val="accent1"/>
-          </a:lnRef>
-          <a:fillRef idx="0">
-            <a:schemeClr val="accent1"/>
-          </a:fillRef>
-          <a:effectRef idx="0">
-            <a:schemeClr val="accent1"/>
-          </a:effectRef>
-          <a:fontRef idx="minor">
-            <a:schemeClr val="tx1"/>
-          </a:fontRef>
-        </p:style>
-      </p:cxnSp>
-      <p:sp>
-        <p:nvSpPr>
-          <p:cNvPr id="127" name="Rectangle 126">
-            <a:extLst>
-              <a:ext uri="{FF2B5EF4-FFF2-40B4-BE49-F238E27FC236}">
-                <a16:creationId xmlns:a16="http://schemas.microsoft.com/office/drawing/2014/main" id="{F5F49C06-7E04-4FCF-9D02-EF1CBF581FF4}"/>
-              </a:ext>
-            </a:extLst>
-          </p:cNvPr>
-          <p:cNvSpPr/>
-          <p:nvPr/>
-        </p:nvSpPr>
-        <p:spPr>
-          <a:xfrm>
-            <a:off x="765032" y="3199878"/>
-            <a:ext cx="322406" cy="413896"/>
-          </a:xfrm>
-          <a:prstGeom prst="rect">
-            <a:avLst/>
-          </a:prstGeom>
-        </p:spPr>
-        <p:txBody>
-          <a:bodyPr wrap="square">
-            <a:spAutoFit/>
-          </a:bodyPr>
-          <a:lstStyle/>
-          <a:p>
-            <a:pPr>
-              <a:lnSpc>
-                <a:spcPct val="114000"/>
-              </a:lnSpc>
-            </a:pPr>
-            <a:r>
-              <a:rPr lang="en-GB" sz="2000" dirty="0">
-                <a:latin typeface="Arial" panose="020B0604020202020204" pitchFamily="34" charset="0"/>
-                <a:cs typeface="Arial" panose="020B0604020202020204" pitchFamily="34" charset="0"/>
-              </a:rPr>
-              <a:t>+</a:t>
-            </a:r>
-            <a:endParaRPr lang="en-GB" sz="2800" dirty="0">
-              <a:latin typeface="Arial" panose="020B0604020202020204" pitchFamily="34" charset="0"/>
-              <a:cs typeface="Arial" panose="020B0604020202020204" pitchFamily="34" charset="0"/>
-            </a:endParaRPr>
-          </a:p>
-        </p:txBody>
-      </p:sp>
-      <p:sp>
-        <p:nvSpPr>
-          <p:cNvPr id="129" name="Rectangle 128">
-            <a:extLst>
-              <a:ext uri="{FF2B5EF4-FFF2-40B4-BE49-F238E27FC236}">
-                <a16:creationId xmlns:a16="http://schemas.microsoft.com/office/drawing/2014/main" id="{F5F49C06-7E04-4FCF-9D02-EF1CBF581FF4}"/>
-              </a:ext>
-            </a:extLst>
-          </p:cNvPr>
-          <p:cNvSpPr/>
-          <p:nvPr/>
-        </p:nvSpPr>
-        <p:spPr>
-          <a:xfrm>
-            <a:off x="4836503" y="3170373"/>
-            <a:ext cx="322406" cy="413896"/>
-          </a:xfrm>
-          <a:prstGeom prst="rect">
-            <a:avLst/>
-          </a:prstGeom>
-        </p:spPr>
-        <p:txBody>
-          <a:bodyPr wrap="square">
-            <a:spAutoFit/>
-          </a:bodyPr>
-          <a:lstStyle/>
-          <a:p>
-            <a:pPr>
-              <a:lnSpc>
-                <a:spcPct val="114000"/>
-              </a:lnSpc>
-            </a:pPr>
-            <a:r>
-              <a:rPr lang="en-US" sz="2000" dirty="0" smtClean="0">
-                <a:latin typeface="Arial" panose="020B0604020202020204" pitchFamily="34" charset="0"/>
-                <a:cs typeface="Arial" panose="020B0604020202020204" pitchFamily="34" charset="0"/>
-              </a:rPr>
-              <a:t>-</a:t>
-            </a:r>
-            <a:endParaRPr lang="en-GB" sz="2800" dirty="0">
-              <a:latin typeface="Arial" panose="020B0604020202020204" pitchFamily="34" charset="0"/>
-              <a:cs typeface="Arial" panose="020B0604020202020204" pitchFamily="34" charset="0"/>
-            </a:endParaRPr>
+              <a:t>mutualism 					                       parasitism</a:t>
+            </a:r>
           </a:p>
         </p:txBody>
       </p:sp>
@@ -4836,7 +4160,7 @@
         </p:nvSpPr>
         <p:spPr>
           <a:xfrm>
-            <a:off x="751217" y="5966853"/>
+            <a:off x="751217" y="5643003"/>
             <a:ext cx="4849789" cy="267766"/>
           </a:xfrm>
           <a:prstGeom prst="rect">
@@ -4858,107 +4182,15 @@
               </a:spcAft>
             </a:pPr>
             <a:r>
-              <a:rPr lang="en-US" sz="1000" i="1" dirty="0" smtClean="0">
-                <a:latin typeface="Arial" panose="020B0604020202020204" pitchFamily="34" charset="0"/>
-                <a:cs typeface="Arial" panose="020B0604020202020204" pitchFamily="34" charset="0"/>
-              </a:rPr>
-              <a:t>cooperation 				</a:t>
-            </a:r>
-            <a:r>
               <a:rPr lang="en-US" sz="1000" i="1" dirty="0">
                 <a:latin typeface="Arial" panose="020B0604020202020204" pitchFamily="34" charset="0"/>
                 <a:cs typeface="Arial" panose="020B0604020202020204" pitchFamily="34" charset="0"/>
               </a:rPr>
-              <a:t>	</a:t>
-            </a:r>
-            <a:r>
-              <a:rPr lang="en-US" sz="1000" i="1" dirty="0" smtClean="0">
-                <a:latin typeface="Arial" panose="020B0604020202020204" pitchFamily="34" charset="0"/>
-                <a:cs typeface="Arial" panose="020B0604020202020204" pitchFamily="34" charset="0"/>
-              </a:rPr>
-              <a:t>          competition/conflict</a:t>
-            </a:r>
-            <a:endParaRPr lang="en-US" sz="1000" i="1" dirty="0">
-              <a:latin typeface="Arial" panose="020B0604020202020204" pitchFamily="34" charset="0"/>
-              <a:cs typeface="Arial" panose="020B0604020202020204" pitchFamily="34" charset="0"/>
-            </a:endParaRPr>
-          </a:p>
-        </p:txBody>
-      </p:sp>
-      <p:cxnSp>
-        <p:nvCxnSpPr>
-          <p:cNvPr id="131" name="Straight Arrow Connector 130"/>
-          <p:cNvCxnSpPr/>
-          <p:nvPr/>
-        </p:nvCxnSpPr>
-        <p:spPr>
-          <a:xfrm flipV="1">
-            <a:off x="1013179" y="5816146"/>
-            <a:ext cx="3916120" cy="9243"/>
-          </a:xfrm>
-          <a:prstGeom prst="straightConnector1">
-            <a:avLst/>
-          </a:prstGeom>
-          <a:ln w="19050">
-            <a:solidFill>
-              <a:schemeClr val="tx1"/>
-            </a:solidFill>
-            <a:headEnd type="triangle"/>
-            <a:tailEnd type="triangle"/>
-          </a:ln>
-        </p:spPr>
-        <p:style>
-          <a:lnRef idx="1">
-            <a:schemeClr val="accent1"/>
-          </a:lnRef>
-          <a:fillRef idx="0">
-            <a:schemeClr val="accent1"/>
-          </a:fillRef>
-          <a:effectRef idx="0">
-            <a:schemeClr val="accent1"/>
-          </a:effectRef>
-          <a:fontRef idx="minor">
-            <a:schemeClr val="tx1"/>
-          </a:fontRef>
-        </p:style>
-      </p:cxnSp>
-      <p:cxnSp>
-        <p:nvCxnSpPr>
-          <p:cNvPr id="132" name="Straight Arrow Connector 131"/>
-          <p:cNvCxnSpPr/>
-          <p:nvPr/>
-        </p:nvCxnSpPr>
-        <p:spPr>
-          <a:xfrm flipV="1">
-            <a:off x="1008578" y="5949033"/>
-            <a:ext cx="3915641" cy="3947"/>
-          </a:xfrm>
-          <a:prstGeom prst="straightConnector1">
-            <a:avLst/>
-          </a:prstGeom>
-          <a:ln w="19050">
-            <a:solidFill>
-              <a:schemeClr val="tx1"/>
-            </a:solidFill>
-            <a:headEnd type="triangle"/>
-            <a:tailEnd type="triangle"/>
-          </a:ln>
-        </p:spPr>
-        <p:style>
-          <a:lnRef idx="1">
-            <a:schemeClr val="accent1"/>
-          </a:lnRef>
-          <a:fillRef idx="0">
-            <a:schemeClr val="accent1"/>
-          </a:fillRef>
-          <a:effectRef idx="0">
-            <a:schemeClr val="accent1"/>
-          </a:effectRef>
-          <a:fontRef idx="minor">
-            <a:schemeClr val="tx1"/>
-          </a:fontRef>
-        </p:style>
-      </p:cxnSp>
+              <a:t>cooperation 					          competition/conflict</a:t>
+            </a:r>
+          </a:p>
+        </p:txBody>
+      </p:sp>
       <p:sp>
         <p:nvSpPr>
           <p:cNvPr id="134" name="Rectangle 133">
@@ -4973,7 +4205,7 @@
         </p:nvSpPr>
         <p:spPr>
           <a:xfrm>
-            <a:off x="781125" y="5670439"/>
+            <a:off x="781125" y="5346589"/>
             <a:ext cx="322406" cy="413896"/>
           </a:xfrm>
           <a:prstGeom prst="rect">
@@ -5019,7 +4251,7 @@
         </p:nvSpPr>
         <p:spPr>
           <a:xfrm>
-            <a:off x="4852596" y="5640934"/>
+            <a:off x="4852596" y="5317084"/>
             <a:ext cx="322406" cy="413896"/>
           </a:xfrm>
           <a:prstGeom prst="rect">
@@ -5065,7 +4297,7 @@
         </p:nvSpPr>
         <p:spPr>
           <a:xfrm>
-            <a:off x="737964" y="8307836"/>
+            <a:off x="739778" y="7868650"/>
             <a:ext cx="4402966" cy="941283"/>
           </a:xfrm>
           <a:prstGeom prst="rect">
@@ -5091,19 +4323,8 @@
                 <a:latin typeface="Arial" panose="020B0604020202020204" pitchFamily="34" charset="0"/>
                 <a:cs typeface="Arial" panose="020B0604020202020204" pitchFamily="34" charset="0"/>
               </a:rPr>
-              <a:t>Types of interacting organisms</a:t>
-            </a:r>
-            <a:r>
-              <a:rPr lang="en-US" sz="1100" i="1" dirty="0" smtClean="0">
-                <a:latin typeface="Arial" panose="020B0604020202020204" pitchFamily="34" charset="0"/>
-                <a:cs typeface="Arial" panose="020B0604020202020204" pitchFamily="34" charset="0"/>
-              </a:rPr>
-              <a:t>: male and female partners in a breeding pair</a:t>
-            </a:r>
-            <a:endParaRPr lang="en-US" sz="1100" i="1" dirty="0">
-              <a:latin typeface="Arial" panose="020B0604020202020204" pitchFamily="34" charset="0"/>
-              <a:cs typeface="Arial" panose="020B0604020202020204" pitchFamily="34" charset="0"/>
-            </a:endParaRPr>
+              <a:t>Types of interacting organisms: male and female partners in a breeding pair</a:t>
+            </a:r>
           </a:p>
           <a:p>
             <a:pPr>
@@ -5116,19 +4337,8 @@
                 <a:latin typeface="Arial" panose="020B0604020202020204" pitchFamily="34" charset="0"/>
                 <a:cs typeface="Arial" panose="020B0604020202020204" pitchFamily="34" charset="0"/>
               </a:rPr>
-              <a:t>Examples of relevant ITV </a:t>
-            </a:r>
-            <a:r>
-              <a:rPr lang="en-GB" sz="1100" i="1" dirty="0" smtClean="0">
-                <a:latin typeface="Arial" panose="020B0604020202020204" pitchFamily="34" charset="0"/>
-                <a:cs typeface="Arial" panose="020B0604020202020204" pitchFamily="34" charset="0"/>
-              </a:rPr>
-              <a:t>: behavioural phenotype, individual condition or attractiveness, reproductive potential</a:t>
-            </a:r>
-            <a:endParaRPr lang="en-GB" sz="1100" i="1" dirty="0">
-              <a:latin typeface="Arial" panose="020B0604020202020204" pitchFamily="34" charset="0"/>
-              <a:cs typeface="Arial" panose="020B0604020202020204" pitchFamily="34" charset="0"/>
-            </a:endParaRPr>
+              <a:t>Examples of relevant ITV : behavioural phenotype, individual condition or attractiveness, reproductive potential</a:t>
+            </a:r>
           </a:p>
         </p:txBody>
       </p:sp>
@@ -5146,7 +4356,7 @@
         </p:nvSpPr>
         <p:spPr>
           <a:xfrm>
-            <a:off x="762799" y="7944554"/>
+            <a:off x="762799" y="7527794"/>
             <a:ext cx="4849789" cy="267766"/>
           </a:xfrm>
           <a:prstGeom prst="rect">
@@ -5168,30 +4378,12 @@
               </a:spcAft>
             </a:pPr>
             <a:r>
-              <a:rPr lang="en-US" sz="1000" i="1" dirty="0" smtClean="0">
-                <a:latin typeface="Arial" panose="020B0604020202020204" pitchFamily="34" charset="0"/>
-                <a:cs typeface="Arial" panose="020B0604020202020204" pitchFamily="34" charset="0"/>
-              </a:rPr>
-              <a:t>cooperation 				</a:t>
-            </a:r>
-            <a:r>
               <a:rPr lang="en-US" sz="1000" i="1" dirty="0">
                 <a:latin typeface="Arial" panose="020B0604020202020204" pitchFamily="34" charset="0"/>
                 <a:cs typeface="Arial" panose="020B0604020202020204" pitchFamily="34" charset="0"/>
               </a:rPr>
-              <a:t>	</a:t>
-            </a:r>
-            <a:r>
-              <a:rPr lang="en-US" sz="1000" i="1" dirty="0" smtClean="0">
-                <a:latin typeface="Arial" panose="020B0604020202020204" pitchFamily="34" charset="0"/>
-                <a:cs typeface="Arial" panose="020B0604020202020204" pitchFamily="34" charset="0"/>
-              </a:rPr>
-              <a:t>          competition/conflict</a:t>
-            </a:r>
-            <a:endParaRPr lang="en-US" sz="1000" i="1" dirty="0">
-              <a:latin typeface="Arial" panose="020B0604020202020204" pitchFamily="34" charset="0"/>
-              <a:cs typeface="Arial" panose="020B0604020202020204" pitchFamily="34" charset="0"/>
-            </a:endParaRPr>
+              <a:t>cooperation 					          competition/conflict</a:t>
+            </a:r>
           </a:p>
         </p:txBody>
       </p:sp>
@@ -5203,66 +4395,26 @@
         </p:nvCxnSpPr>
         <p:spPr>
           <a:xfrm flipV="1">
-            <a:off x="1024761" y="7793847"/>
+            <a:off x="1029755" y="7465732"/>
             <a:ext cx="3916120" cy="9243"/>
           </a:xfrm>
           <a:prstGeom prst="straightConnector1">
             <a:avLst/>
           </a:prstGeom>
-          <a:ln w="19050">
-            <a:solidFill>
-              <a:schemeClr val="tx1"/>
-            </a:solidFill>
+          <a:ln>
             <a:headEnd type="triangle"/>
             <a:tailEnd type="triangle"/>
           </a:ln>
         </p:spPr>
         <p:style>
-          <a:lnRef idx="1">
-            <a:schemeClr val="accent1"/>
+          <a:lnRef idx="2">
+            <a:schemeClr val="dk1"/>
           </a:lnRef>
           <a:fillRef idx="0">
-            <a:schemeClr val="accent1"/>
+            <a:schemeClr val="dk1"/>
           </a:fillRef>
-          <a:effectRef idx="0">
-            <a:schemeClr val="accent1"/>
-          </a:effectRef>
-          <a:fontRef idx="minor">
-            <a:schemeClr val="tx1"/>
-          </a:fontRef>
-        </p:style>
-      </p:cxnSp>
-      <p:cxnSp>
-        <p:nvCxnSpPr>
-          <p:cNvPr id="152" name="Straight Arrow Connector 151"/>
-          <p:cNvCxnSpPr/>
-          <p:nvPr/>
-        </p:nvCxnSpPr>
-        <p:spPr>
-          <a:xfrm flipV="1">
-            <a:off x="1025240" y="7926734"/>
-            <a:ext cx="3915641" cy="3947"/>
-          </a:xfrm>
-          <a:prstGeom prst="straightConnector1">
-            <a:avLst/>
-          </a:prstGeom>
-          <a:ln w="19050">
-            <a:solidFill>
-              <a:schemeClr val="tx1"/>
-            </a:solidFill>
-            <a:headEnd type="triangle"/>
-            <a:tailEnd type="triangle"/>
-          </a:ln>
-        </p:spPr>
-        <p:style>
-          <a:lnRef idx="1">
-            <a:schemeClr val="accent1"/>
-          </a:lnRef>
-          <a:fillRef idx="0">
-            <a:schemeClr val="accent1"/>
-          </a:fillRef>
-          <a:effectRef idx="0">
-            <a:schemeClr val="accent1"/>
+          <a:effectRef idx="1">
+            <a:schemeClr val="dk1"/>
           </a:effectRef>
           <a:fontRef idx="minor">
             <a:schemeClr val="tx1"/>
@@ -5283,7 +4435,7 @@
         </p:nvSpPr>
         <p:spPr>
           <a:xfrm>
-            <a:off x="792707" y="7648140"/>
+            <a:off x="792707" y="7260720"/>
             <a:ext cx="322406" cy="413896"/>
           </a:xfrm>
           <a:prstGeom prst="rect">
@@ -5329,7 +4481,7 @@
         </p:nvSpPr>
         <p:spPr>
           <a:xfrm>
-            <a:off x="4864178" y="7618635"/>
+            <a:off x="4864178" y="7228728"/>
             <a:ext cx="322406" cy="413896"/>
           </a:xfrm>
           <a:prstGeom prst="rect">
@@ -5375,7 +4527,7 @@
         </p:nvSpPr>
         <p:spPr>
           <a:xfrm>
-            <a:off x="744854" y="10297156"/>
+            <a:off x="744854" y="9973306"/>
             <a:ext cx="4202917" cy="941283"/>
           </a:xfrm>
           <a:prstGeom prst="rect">
@@ -5401,19 +4553,8 @@
                 <a:latin typeface="Arial" panose="020B0604020202020204" pitchFamily="34" charset="0"/>
                 <a:cs typeface="Arial" panose="020B0604020202020204" pitchFamily="34" charset="0"/>
               </a:rPr>
-              <a:t>Types of interacting organisms</a:t>
-            </a:r>
-            <a:r>
-              <a:rPr lang="en-US" sz="1100" i="1" dirty="0" smtClean="0">
-                <a:latin typeface="Arial" panose="020B0604020202020204" pitchFamily="34" charset="0"/>
-                <a:cs typeface="Arial" panose="020B0604020202020204" pitchFamily="34" charset="0"/>
-              </a:rPr>
-              <a:t>: parents and offspring in species with parental care behaviour</a:t>
-            </a:r>
-            <a:endParaRPr lang="en-US" sz="1100" i="1" dirty="0">
-              <a:latin typeface="Arial" panose="020B0604020202020204" pitchFamily="34" charset="0"/>
-              <a:cs typeface="Arial" panose="020B0604020202020204" pitchFamily="34" charset="0"/>
-            </a:endParaRPr>
+              <a:t>Types of interacting organisms: parents and offspring in species with parental care behaviour</a:t>
+            </a:r>
           </a:p>
           <a:p>
             <a:pPr>
@@ -5426,19 +4567,8 @@
                 <a:latin typeface="Arial" panose="020B0604020202020204" pitchFamily="34" charset="0"/>
                 <a:cs typeface="Arial" panose="020B0604020202020204" pitchFamily="34" charset="0"/>
               </a:rPr>
-              <a:t>Examples of relevant ITV </a:t>
-            </a:r>
-            <a:r>
-              <a:rPr lang="en-GB" sz="1100" i="1" dirty="0" smtClean="0">
-                <a:latin typeface="Arial" panose="020B0604020202020204" pitchFamily="34" charset="0"/>
-                <a:cs typeface="Arial" panose="020B0604020202020204" pitchFamily="34" charset="0"/>
-              </a:rPr>
-              <a:t>: behavioural phenotype, individual condition, reproductive potential</a:t>
-            </a:r>
-            <a:endParaRPr lang="en-GB" sz="1100" i="1" dirty="0">
-              <a:latin typeface="Arial" panose="020B0604020202020204" pitchFamily="34" charset="0"/>
-              <a:cs typeface="Arial" panose="020B0604020202020204" pitchFamily="34" charset="0"/>
-            </a:endParaRPr>
+              <a:t>Examples of relevant ITV : behavioural phenotype, individual condition, reproductive potential</a:t>
+            </a:r>
           </a:p>
         </p:txBody>
       </p:sp>
@@ -5450,7 +4580,7 @@
         </p:nvCxnSpPr>
         <p:spPr>
           <a:xfrm flipV="1">
-            <a:off x="1031651" y="9783167"/>
+            <a:off x="1031651" y="9459317"/>
             <a:ext cx="3916120" cy="9243"/>
           </a:xfrm>
           <a:prstGeom prst="straightConnector1">
@@ -5487,7 +4617,7 @@
         </p:nvCxnSpPr>
         <p:spPr>
           <a:xfrm flipV="1">
-            <a:off x="1032130" y="9916054"/>
+            <a:off x="1032130" y="9592204"/>
             <a:ext cx="3915641" cy="3947"/>
           </a:xfrm>
           <a:prstGeom prst="straightConnector1">
@@ -5530,7 +4660,7 @@
         </p:nvSpPr>
         <p:spPr>
           <a:xfrm>
-            <a:off x="799597" y="9637460"/>
+            <a:off x="799597" y="9313610"/>
             <a:ext cx="322406" cy="413896"/>
           </a:xfrm>
           <a:prstGeom prst="rect">
@@ -5576,7 +4706,7 @@
         </p:nvSpPr>
         <p:spPr>
           <a:xfrm>
-            <a:off x="4871068" y="9607955"/>
+            <a:off x="4871068" y="9284105"/>
             <a:ext cx="322406" cy="413896"/>
           </a:xfrm>
           <a:prstGeom prst="rect">
@@ -5622,7 +4752,7 @@
         </p:nvSpPr>
         <p:spPr>
           <a:xfrm>
-            <a:off x="778302" y="9955761"/>
+            <a:off x="778302" y="9631911"/>
             <a:ext cx="4849789" cy="253083"/>
           </a:xfrm>
           <a:prstGeom prst="rect">
@@ -5648,33 +4778,8 @@
                 <a:latin typeface="Arial" panose="020B0604020202020204" pitchFamily="34" charset="0"/>
                 <a:cs typeface="Arial" panose="020B0604020202020204" pitchFamily="34" charset="0"/>
               </a:rPr>
-              <a:t>p</a:t>
-            </a:r>
-            <a:r>
-              <a:rPr lang="en-US" sz="1000" i="1" dirty="0" smtClean="0">
-                <a:latin typeface="Arial" panose="020B0604020202020204" pitchFamily="34" charset="0"/>
-                <a:cs typeface="Arial" panose="020B0604020202020204" pitchFamily="34" charset="0"/>
-              </a:rPr>
-              <a:t>arental care 		</a:t>
-            </a:r>
-            <a:r>
-              <a:rPr lang="en-US" sz="1000" i="1" dirty="0">
-                <a:latin typeface="Arial" panose="020B0604020202020204" pitchFamily="34" charset="0"/>
-                <a:cs typeface="Arial" panose="020B0604020202020204" pitchFamily="34" charset="0"/>
-              </a:rPr>
-              <a:t>	</a:t>
-            </a:r>
-            <a:r>
-              <a:rPr lang="en-US" sz="1000" i="1" dirty="0" smtClean="0">
-                <a:latin typeface="Arial" panose="020B0604020202020204" pitchFamily="34" charset="0"/>
-                <a:cs typeface="Arial" panose="020B0604020202020204" pitchFamily="34" charset="0"/>
-              </a:rPr>
-              <a:t>		          competition/conflict</a:t>
-            </a:r>
-            <a:endParaRPr lang="en-US" sz="1000" i="1" dirty="0">
-              <a:latin typeface="Arial" panose="020B0604020202020204" pitchFamily="34" charset="0"/>
-              <a:cs typeface="Arial" panose="020B0604020202020204" pitchFamily="34" charset="0"/>
-            </a:endParaRPr>
+              <a:t>parental care 					          competition/conflict</a:t>
+            </a:r>
           </a:p>
         </p:txBody>
       </p:sp>
@@ -5700,7 +4805,7 @@
         </p:blipFill>
         <p:spPr>
           <a:xfrm flipH="1">
-            <a:off x="6656049" y="10459029"/>
+            <a:off x="6503649" y="10135179"/>
             <a:ext cx="986552" cy="414381"/>
           </a:xfrm>
           <a:prstGeom prst="rect">
@@ -5730,7 +4835,7 @@
         </p:blipFill>
         <p:spPr>
           <a:xfrm flipH="1">
-            <a:off x="5158584" y="9590793"/>
+            <a:off x="5006184" y="9266943"/>
             <a:ext cx="1572677" cy="762706"/>
           </a:xfrm>
           <a:prstGeom prst="rect">
@@ -5738,6 +4843,663 @@
           </a:prstGeom>
         </p:spPr>
       </p:pic>
+      <p:cxnSp>
+        <p:nvCxnSpPr>
+          <p:cNvPr id="92" name="Straight Connector 91">
+            <a:extLst>
+              <a:ext uri="{FF2B5EF4-FFF2-40B4-BE49-F238E27FC236}">
+                <a16:creationId xmlns:a16="http://schemas.microsoft.com/office/drawing/2014/main" id="{09CB3CC0-5A14-403D-B85C-E3AFFA258FA7}"/>
+              </a:ext>
+            </a:extLst>
+          </p:cNvPr>
+          <p:cNvCxnSpPr>
+            <a:cxnSpLocks/>
+          </p:cNvCxnSpPr>
+          <p:nvPr/>
+        </p:nvCxnSpPr>
+        <p:spPr>
+          <a:xfrm flipV="1">
+            <a:off x="5941445" y="5656074"/>
+            <a:ext cx="1017829" cy="1019374"/>
+          </a:xfrm>
+          <a:prstGeom prst="line">
+            <a:avLst/>
+          </a:prstGeom>
+          <a:ln w="19050" cap="flat" cmpd="sng" algn="ctr">
+            <a:solidFill>
+              <a:schemeClr val="dk1"/>
+            </a:solidFill>
+            <a:prstDash val="solid"/>
+            <a:round/>
+            <a:headEnd type="none" w="med" len="med"/>
+            <a:tailEnd type="arrow" w="med" len="med"/>
+          </a:ln>
+        </p:spPr>
+        <p:style>
+          <a:lnRef idx="0">
+            <a:scrgbClr r="0" g="0" b="0"/>
+          </a:lnRef>
+          <a:fillRef idx="0">
+            <a:scrgbClr r="0" g="0" b="0"/>
+          </a:fillRef>
+          <a:effectRef idx="0">
+            <a:scrgbClr r="0" g="0" b="0"/>
+          </a:effectRef>
+          <a:fontRef idx="minor">
+            <a:schemeClr val="tx1"/>
+          </a:fontRef>
+        </p:style>
+      </p:cxnSp>
+      <p:cxnSp>
+        <p:nvCxnSpPr>
+          <p:cNvPr id="99" name="Straight Connector 98">
+            <a:extLst>
+              <a:ext uri="{FF2B5EF4-FFF2-40B4-BE49-F238E27FC236}">
+                <a16:creationId xmlns:a16="http://schemas.microsoft.com/office/drawing/2014/main" id="{5733708E-7CD1-442E-BAEC-73BB3E2E47D1}"/>
+              </a:ext>
+            </a:extLst>
+          </p:cNvPr>
+          <p:cNvCxnSpPr>
+            <a:cxnSpLocks/>
+          </p:cNvCxnSpPr>
+          <p:nvPr/>
+        </p:nvCxnSpPr>
+        <p:spPr>
+          <a:xfrm flipH="1">
+            <a:off x="5761815" y="5748217"/>
+            <a:ext cx="1020286" cy="1018582"/>
+          </a:xfrm>
+          <a:prstGeom prst="line">
+            <a:avLst/>
+          </a:prstGeom>
+          <a:ln w="19050" cap="flat" cmpd="sng" algn="ctr">
+            <a:solidFill>
+              <a:schemeClr val="dk1"/>
+            </a:solidFill>
+            <a:prstDash val="solid"/>
+            <a:round/>
+            <a:headEnd type="none" w="med" len="med"/>
+            <a:tailEnd type="arrow" w="med" len="med"/>
+          </a:ln>
+        </p:spPr>
+        <p:style>
+          <a:lnRef idx="0">
+            <a:scrgbClr r="0" g="0" b="0"/>
+          </a:lnRef>
+          <a:fillRef idx="0">
+            <a:scrgbClr r="0" g="0" b="0"/>
+          </a:fillRef>
+          <a:effectRef idx="0">
+            <a:scrgbClr r="0" g="0" b="0"/>
+          </a:effectRef>
+          <a:fontRef idx="minor">
+            <a:schemeClr val="tx1"/>
+          </a:fontRef>
+        </p:style>
+      </p:cxnSp>
+      <p:cxnSp>
+        <p:nvCxnSpPr>
+          <p:cNvPr id="102" name="Straight Connector 101">
+            <a:extLst>
+              <a:ext uri="{FF2B5EF4-FFF2-40B4-BE49-F238E27FC236}">
+                <a16:creationId xmlns:a16="http://schemas.microsoft.com/office/drawing/2014/main" id="{FD2CEF25-E4C7-45BD-9E5A-6EAF2184055C}"/>
+              </a:ext>
+            </a:extLst>
+          </p:cNvPr>
+          <p:cNvCxnSpPr>
+            <a:cxnSpLocks/>
+          </p:cNvCxnSpPr>
+          <p:nvPr/>
+        </p:nvCxnSpPr>
+        <p:spPr>
+          <a:xfrm flipV="1">
+            <a:off x="5935634" y="7542193"/>
+            <a:ext cx="1017829" cy="1019374"/>
+          </a:xfrm>
+          <a:prstGeom prst="line">
+            <a:avLst/>
+          </a:prstGeom>
+          <a:ln w="19050" cap="flat" cmpd="sng" algn="ctr">
+            <a:solidFill>
+              <a:schemeClr val="dk1"/>
+            </a:solidFill>
+            <a:prstDash val="solid"/>
+            <a:round/>
+            <a:headEnd type="none" w="med" len="med"/>
+            <a:tailEnd type="arrow" w="med" len="med"/>
+          </a:ln>
+        </p:spPr>
+        <p:style>
+          <a:lnRef idx="0">
+            <a:scrgbClr r="0" g="0" b="0"/>
+          </a:lnRef>
+          <a:fillRef idx="0">
+            <a:scrgbClr r="0" g="0" b="0"/>
+          </a:fillRef>
+          <a:effectRef idx="0">
+            <a:scrgbClr r="0" g="0" b="0"/>
+          </a:effectRef>
+          <a:fontRef idx="minor">
+            <a:schemeClr val="tx1"/>
+          </a:fontRef>
+        </p:style>
+      </p:cxnSp>
+      <p:cxnSp>
+        <p:nvCxnSpPr>
+          <p:cNvPr id="103" name="Straight Connector 102">
+            <a:extLst>
+              <a:ext uri="{FF2B5EF4-FFF2-40B4-BE49-F238E27FC236}">
+                <a16:creationId xmlns:a16="http://schemas.microsoft.com/office/drawing/2014/main" id="{EFE968E2-BDDE-47FE-91C5-EAD3C15958BD}"/>
+              </a:ext>
+            </a:extLst>
+          </p:cNvPr>
+          <p:cNvCxnSpPr>
+            <a:cxnSpLocks/>
+          </p:cNvCxnSpPr>
+          <p:nvPr/>
+        </p:nvCxnSpPr>
+        <p:spPr>
+          <a:xfrm flipH="1">
+            <a:off x="5756004" y="7634336"/>
+            <a:ext cx="1020286" cy="1018582"/>
+          </a:xfrm>
+          <a:prstGeom prst="line">
+            <a:avLst/>
+          </a:prstGeom>
+          <a:ln w="19050" cap="flat" cmpd="sng" algn="ctr">
+            <a:solidFill>
+              <a:schemeClr val="dk1"/>
+            </a:solidFill>
+            <a:prstDash val="solid"/>
+            <a:round/>
+            <a:headEnd type="none" w="med" len="med"/>
+            <a:tailEnd type="arrow" w="med" len="med"/>
+          </a:ln>
+        </p:spPr>
+        <p:style>
+          <a:lnRef idx="0">
+            <a:scrgbClr r="0" g="0" b="0"/>
+          </a:lnRef>
+          <a:fillRef idx="0">
+            <a:scrgbClr r="0" g="0" b="0"/>
+          </a:fillRef>
+          <a:effectRef idx="0">
+            <a:scrgbClr r="0" g="0" b="0"/>
+          </a:effectRef>
+          <a:fontRef idx="minor">
+            <a:schemeClr val="tx1"/>
+          </a:fontRef>
+        </p:style>
+      </p:cxnSp>
+      <p:cxnSp>
+        <p:nvCxnSpPr>
+          <p:cNvPr id="116" name="Straight Connector 115">
+            <a:extLst>
+              <a:ext uri="{FF2B5EF4-FFF2-40B4-BE49-F238E27FC236}">
+                <a16:creationId xmlns:a16="http://schemas.microsoft.com/office/drawing/2014/main" id="{94D06886-B0A6-4217-82FC-B144AFA3F078}"/>
+              </a:ext>
+            </a:extLst>
+          </p:cNvPr>
+          <p:cNvCxnSpPr>
+            <a:cxnSpLocks/>
+          </p:cNvCxnSpPr>
+          <p:nvPr/>
+        </p:nvCxnSpPr>
+        <p:spPr>
+          <a:xfrm flipV="1">
+            <a:off x="5946992" y="9521512"/>
+            <a:ext cx="1017829" cy="1019374"/>
+          </a:xfrm>
+          <a:prstGeom prst="line">
+            <a:avLst/>
+          </a:prstGeom>
+          <a:ln w="19050" cap="flat" cmpd="sng" algn="ctr">
+            <a:solidFill>
+              <a:schemeClr val="dk1"/>
+            </a:solidFill>
+            <a:prstDash val="solid"/>
+            <a:round/>
+            <a:headEnd type="none" w="med" len="med"/>
+            <a:tailEnd type="arrow" w="med" len="med"/>
+          </a:ln>
+        </p:spPr>
+        <p:style>
+          <a:lnRef idx="0">
+            <a:scrgbClr r="0" g="0" b="0"/>
+          </a:lnRef>
+          <a:fillRef idx="0">
+            <a:scrgbClr r="0" g="0" b="0"/>
+          </a:fillRef>
+          <a:effectRef idx="0">
+            <a:scrgbClr r="0" g="0" b="0"/>
+          </a:effectRef>
+          <a:fontRef idx="minor">
+            <a:schemeClr val="tx1"/>
+          </a:fontRef>
+        </p:style>
+      </p:cxnSp>
+      <p:cxnSp>
+        <p:nvCxnSpPr>
+          <p:cNvPr id="121" name="Straight Connector 120">
+            <a:extLst>
+              <a:ext uri="{FF2B5EF4-FFF2-40B4-BE49-F238E27FC236}">
+                <a16:creationId xmlns:a16="http://schemas.microsoft.com/office/drawing/2014/main" id="{F129D23C-3553-484A-A5C5-D6011395FA3D}"/>
+              </a:ext>
+            </a:extLst>
+          </p:cNvPr>
+          <p:cNvCxnSpPr>
+            <a:cxnSpLocks/>
+          </p:cNvCxnSpPr>
+          <p:nvPr/>
+        </p:nvCxnSpPr>
+        <p:spPr>
+          <a:xfrm flipH="1">
+            <a:off x="5767362" y="9613655"/>
+            <a:ext cx="1020286" cy="1018582"/>
+          </a:xfrm>
+          <a:prstGeom prst="line">
+            <a:avLst/>
+          </a:prstGeom>
+          <a:ln w="19050" cap="flat" cmpd="sng" algn="ctr">
+            <a:solidFill>
+              <a:schemeClr val="dk1"/>
+            </a:solidFill>
+            <a:prstDash val="solid"/>
+            <a:round/>
+            <a:headEnd type="none" w="med" len="med"/>
+            <a:tailEnd type="arrow" w="med" len="med"/>
+          </a:ln>
+        </p:spPr>
+        <p:style>
+          <a:lnRef idx="0">
+            <a:scrgbClr r="0" g="0" b="0"/>
+          </a:lnRef>
+          <a:fillRef idx="0">
+            <a:scrgbClr r="0" g="0" b="0"/>
+          </a:fillRef>
+          <a:effectRef idx="0">
+            <a:scrgbClr r="0" g="0" b="0"/>
+          </a:effectRef>
+          <a:fontRef idx="minor">
+            <a:schemeClr val="tx1"/>
+          </a:fontRef>
+        </p:style>
+      </p:cxnSp>
+      <p:cxnSp>
+        <p:nvCxnSpPr>
+          <p:cNvPr id="122" name="Straight Connector 121">
+            <a:extLst>
+              <a:ext uri="{FF2B5EF4-FFF2-40B4-BE49-F238E27FC236}">
+                <a16:creationId xmlns:a16="http://schemas.microsoft.com/office/drawing/2014/main" id="{E0E599F1-E3F6-4746-9B6D-056F89A84867}"/>
+              </a:ext>
+            </a:extLst>
+          </p:cNvPr>
+          <p:cNvCxnSpPr>
+            <a:cxnSpLocks/>
+          </p:cNvCxnSpPr>
+          <p:nvPr/>
+        </p:nvCxnSpPr>
+        <p:spPr>
+          <a:xfrm flipV="1">
+            <a:off x="5975765" y="3279589"/>
+            <a:ext cx="1017829" cy="1019374"/>
+          </a:xfrm>
+          <a:prstGeom prst="line">
+            <a:avLst/>
+          </a:prstGeom>
+          <a:ln w="19050" cap="flat" cmpd="sng" algn="ctr">
+            <a:solidFill>
+              <a:schemeClr val="dk1"/>
+            </a:solidFill>
+            <a:prstDash val="solid"/>
+            <a:round/>
+            <a:headEnd type="none" w="med" len="med"/>
+            <a:tailEnd type="arrow" w="med" len="med"/>
+          </a:ln>
+        </p:spPr>
+        <p:style>
+          <a:lnRef idx="0">
+            <a:scrgbClr r="0" g="0" b="0"/>
+          </a:lnRef>
+          <a:fillRef idx="0">
+            <a:scrgbClr r="0" g="0" b="0"/>
+          </a:fillRef>
+          <a:effectRef idx="0">
+            <a:scrgbClr r="0" g="0" b="0"/>
+          </a:effectRef>
+          <a:fontRef idx="minor">
+            <a:schemeClr val="tx1"/>
+          </a:fontRef>
+        </p:style>
+      </p:cxnSp>
+      <p:cxnSp>
+        <p:nvCxnSpPr>
+          <p:cNvPr id="123" name="Straight Connector 122">
+            <a:extLst>
+              <a:ext uri="{FF2B5EF4-FFF2-40B4-BE49-F238E27FC236}">
+                <a16:creationId xmlns:a16="http://schemas.microsoft.com/office/drawing/2014/main" id="{14E94A0E-59D4-410B-B9BC-FCD6F12E8A64}"/>
+              </a:ext>
+            </a:extLst>
+          </p:cNvPr>
+          <p:cNvCxnSpPr>
+            <a:cxnSpLocks/>
+          </p:cNvCxnSpPr>
+          <p:nvPr/>
+        </p:nvCxnSpPr>
+        <p:spPr>
+          <a:xfrm flipH="1">
+            <a:off x="5796135" y="3371732"/>
+            <a:ext cx="1020286" cy="1018582"/>
+          </a:xfrm>
+          <a:prstGeom prst="line">
+            <a:avLst/>
+          </a:prstGeom>
+          <a:ln w="19050" cap="flat" cmpd="sng" algn="ctr">
+            <a:solidFill>
+              <a:schemeClr val="dk1"/>
+            </a:solidFill>
+            <a:prstDash val="solid"/>
+            <a:round/>
+            <a:headEnd type="none" w="med" len="med"/>
+            <a:tailEnd type="arrow" w="med" len="med"/>
+          </a:ln>
+        </p:spPr>
+        <p:style>
+          <a:lnRef idx="0">
+            <a:scrgbClr r="0" g="0" b="0"/>
+          </a:lnRef>
+          <a:fillRef idx="0">
+            <a:scrgbClr r="0" g="0" b="0"/>
+          </a:fillRef>
+          <a:effectRef idx="0">
+            <a:scrgbClr r="0" g="0" b="0"/>
+          </a:effectRef>
+          <a:fontRef idx="minor">
+            <a:schemeClr val="tx1"/>
+          </a:fontRef>
+        </p:style>
+      </p:cxnSp>
+      <p:cxnSp>
+        <p:nvCxnSpPr>
+          <p:cNvPr id="124" name="Straight Connector 123">
+            <a:extLst>
+              <a:ext uri="{FF2B5EF4-FFF2-40B4-BE49-F238E27FC236}">
+                <a16:creationId xmlns:a16="http://schemas.microsoft.com/office/drawing/2014/main" id="{EF965ABF-0F78-444A-AA8A-6ACE163B81B1}"/>
+              </a:ext>
+            </a:extLst>
+          </p:cNvPr>
+          <p:cNvCxnSpPr>
+            <a:cxnSpLocks/>
+          </p:cNvCxnSpPr>
+          <p:nvPr/>
+        </p:nvCxnSpPr>
+        <p:spPr>
+          <a:xfrm flipV="1">
+            <a:off x="5946992" y="1462866"/>
+            <a:ext cx="1017829" cy="1019374"/>
+          </a:xfrm>
+          <a:prstGeom prst="line">
+            <a:avLst/>
+          </a:prstGeom>
+          <a:ln w="19050" cap="flat" cmpd="sng" algn="ctr">
+            <a:solidFill>
+              <a:schemeClr val="dk1"/>
+            </a:solidFill>
+            <a:prstDash val="solid"/>
+            <a:round/>
+            <a:headEnd type="none" w="med" len="med"/>
+            <a:tailEnd type="arrow" w="med" len="med"/>
+          </a:ln>
+        </p:spPr>
+        <p:style>
+          <a:lnRef idx="0">
+            <a:scrgbClr r="0" g="0" b="0"/>
+          </a:lnRef>
+          <a:fillRef idx="0">
+            <a:scrgbClr r="0" g="0" b="0"/>
+          </a:fillRef>
+          <a:effectRef idx="0">
+            <a:scrgbClr r="0" g="0" b="0"/>
+          </a:effectRef>
+          <a:fontRef idx="minor">
+            <a:schemeClr val="tx1"/>
+          </a:fontRef>
+        </p:style>
+      </p:cxnSp>
+      <p:cxnSp>
+        <p:nvCxnSpPr>
+          <p:cNvPr id="125" name="Straight Connector 124">
+            <a:extLst>
+              <a:ext uri="{FF2B5EF4-FFF2-40B4-BE49-F238E27FC236}">
+                <a16:creationId xmlns:a16="http://schemas.microsoft.com/office/drawing/2014/main" id="{B29CF59A-228B-4172-9FFB-77265EF50EC5}"/>
+              </a:ext>
+            </a:extLst>
+          </p:cNvPr>
+          <p:cNvCxnSpPr>
+            <a:cxnSpLocks/>
+          </p:cNvCxnSpPr>
+          <p:nvPr/>
+        </p:nvCxnSpPr>
+        <p:spPr>
+          <a:xfrm flipH="1">
+            <a:off x="5767362" y="1555009"/>
+            <a:ext cx="1020286" cy="1018582"/>
+          </a:xfrm>
+          <a:prstGeom prst="line">
+            <a:avLst/>
+          </a:prstGeom>
+          <a:ln w="19050" cap="flat" cmpd="sng" algn="ctr">
+            <a:solidFill>
+              <a:schemeClr val="dk1"/>
+            </a:solidFill>
+            <a:prstDash val="solid"/>
+            <a:round/>
+            <a:headEnd type="none" w="med" len="med"/>
+            <a:tailEnd type="arrow" w="med" len="med"/>
+          </a:ln>
+        </p:spPr>
+        <p:style>
+          <a:lnRef idx="0">
+            <a:scrgbClr r="0" g="0" b="0"/>
+          </a:lnRef>
+          <a:fillRef idx="0">
+            <a:scrgbClr r="0" g="0" b="0"/>
+          </a:fillRef>
+          <a:effectRef idx="0">
+            <a:scrgbClr r="0" g="0" b="0"/>
+          </a:effectRef>
+          <a:fontRef idx="minor">
+            <a:schemeClr val="tx1"/>
+          </a:fontRef>
+        </p:style>
+      </p:cxnSp>
+      <p:cxnSp>
+        <p:nvCxnSpPr>
+          <p:cNvPr id="126" name="Straight Connector 125">
+            <a:extLst>
+              <a:ext uri="{FF2B5EF4-FFF2-40B4-BE49-F238E27FC236}">
+                <a16:creationId xmlns:a16="http://schemas.microsoft.com/office/drawing/2014/main" id="{8D5EDBF1-A526-4C14-98C2-E55B9F3652D7}"/>
+              </a:ext>
+            </a:extLst>
+          </p:cNvPr>
+          <p:cNvCxnSpPr>
+            <a:cxnSpLocks/>
+          </p:cNvCxnSpPr>
+          <p:nvPr/>
+        </p:nvCxnSpPr>
+        <p:spPr>
+          <a:xfrm flipH="1">
+            <a:off x="1063585" y="1322826"/>
+            <a:ext cx="3648553" cy="8664"/>
+          </a:xfrm>
+          <a:prstGeom prst="line">
+            <a:avLst/>
+          </a:prstGeom>
+          <a:ln w="19050" cap="flat" cmpd="sng" algn="ctr">
+            <a:solidFill>
+              <a:schemeClr val="dk1"/>
+            </a:solidFill>
+            <a:prstDash val="solid"/>
+            <a:round/>
+            <a:headEnd type="arrow" w="med" len="med"/>
+            <a:tailEnd type="arrow" w="med" len="med"/>
+          </a:ln>
+        </p:spPr>
+        <p:style>
+          <a:lnRef idx="0">
+            <a:scrgbClr r="0" g="0" b="0"/>
+          </a:lnRef>
+          <a:fillRef idx="0">
+            <a:scrgbClr r="0" g="0" b="0"/>
+          </a:fillRef>
+          <a:effectRef idx="0">
+            <a:scrgbClr r="0" g="0" b="0"/>
+          </a:effectRef>
+          <a:fontRef idx="minor">
+            <a:schemeClr val="tx1"/>
+          </a:fontRef>
+        </p:style>
+      </p:cxnSp>
+      <p:sp>
+        <p:nvSpPr>
+          <p:cNvPr id="128" name="Rectangle 127">
+            <a:extLst>
+              <a:ext uri="{FF2B5EF4-FFF2-40B4-BE49-F238E27FC236}">
+                <a16:creationId xmlns:a16="http://schemas.microsoft.com/office/drawing/2014/main" id="{DE4DBE48-A915-4302-8830-3D28F816F9B2}"/>
+              </a:ext>
+            </a:extLst>
+          </p:cNvPr>
+          <p:cNvSpPr/>
+          <p:nvPr/>
+        </p:nvSpPr>
+        <p:spPr>
+          <a:xfrm>
+            <a:off x="4697113" y="2805864"/>
+            <a:ext cx="322406" cy="413896"/>
+          </a:xfrm>
+          <a:prstGeom prst="rect">
+            <a:avLst/>
+          </a:prstGeom>
+        </p:spPr>
+        <p:txBody>
+          <a:bodyPr wrap="square">
+            <a:spAutoFit/>
+          </a:bodyPr>
+          <a:lstStyle/>
+          <a:p>
+            <a:pPr>
+              <a:lnSpc>
+                <a:spcPct val="114000"/>
+              </a:lnSpc>
+            </a:pPr>
+            <a:r>
+              <a:rPr lang="en-US" sz="2000" dirty="0">
+                <a:latin typeface="Arial" panose="020B0604020202020204" pitchFamily="34" charset="0"/>
+                <a:cs typeface="Arial" panose="020B0604020202020204" pitchFamily="34" charset="0"/>
+              </a:rPr>
+              <a:t>-</a:t>
+            </a:r>
+            <a:endParaRPr lang="en-GB" sz="2800" dirty="0">
+              <a:latin typeface="Arial" panose="020B0604020202020204" pitchFamily="34" charset="0"/>
+              <a:cs typeface="Arial" panose="020B0604020202020204" pitchFamily="34" charset="0"/>
+            </a:endParaRPr>
+          </a:p>
+        </p:txBody>
+      </p:sp>
+      <p:sp>
+        <p:nvSpPr>
+          <p:cNvPr id="133" name="Rectangle 132">
+            <a:extLst>
+              <a:ext uri="{FF2B5EF4-FFF2-40B4-BE49-F238E27FC236}">
+                <a16:creationId xmlns:a16="http://schemas.microsoft.com/office/drawing/2014/main" id="{2C6DD3A2-11F7-45AF-A8CA-FF36F63E595E}"/>
+              </a:ext>
+            </a:extLst>
+          </p:cNvPr>
+          <p:cNvSpPr/>
+          <p:nvPr/>
+        </p:nvSpPr>
+        <p:spPr>
+          <a:xfrm>
+            <a:off x="738153" y="2880137"/>
+            <a:ext cx="308687" cy="408125"/>
+          </a:xfrm>
+          <a:prstGeom prst="rect">
+            <a:avLst/>
+          </a:prstGeom>
+        </p:spPr>
+        <p:txBody>
+          <a:bodyPr wrap="square">
+            <a:spAutoFit/>
+          </a:bodyPr>
+          <a:lstStyle/>
+          <a:p>
+            <a:pPr>
+              <a:lnSpc>
+                <a:spcPct val="114000"/>
+              </a:lnSpc>
+            </a:pPr>
+            <a:r>
+              <a:rPr lang="en-GB" dirty="0">
+                <a:latin typeface="Arial" panose="020B0604020202020204" pitchFamily="34" charset="0"/>
+                <a:cs typeface="Arial" panose="020B0604020202020204" pitchFamily="34" charset="0"/>
+              </a:rPr>
+              <a:t>+</a:t>
+            </a:r>
+            <a:endParaRPr lang="en-GB" sz="2400" dirty="0">
+              <a:latin typeface="Arial" panose="020B0604020202020204" pitchFamily="34" charset="0"/>
+              <a:cs typeface="Arial" panose="020B0604020202020204" pitchFamily="34" charset="0"/>
+            </a:endParaRPr>
+          </a:p>
+        </p:txBody>
+      </p:sp>
+      <p:cxnSp>
+        <p:nvCxnSpPr>
+          <p:cNvPr id="135" name="Straight Connector 134">
+            <a:extLst>
+              <a:ext uri="{FF2B5EF4-FFF2-40B4-BE49-F238E27FC236}">
+                <a16:creationId xmlns:a16="http://schemas.microsoft.com/office/drawing/2014/main" id="{7CA44057-987A-4E14-B2FD-610FF61403F3}"/>
+              </a:ext>
+            </a:extLst>
+          </p:cNvPr>
+          <p:cNvCxnSpPr>
+            <a:cxnSpLocks/>
+            <a:endCxn id="133" idx="3"/>
+          </p:cNvCxnSpPr>
+          <p:nvPr/>
+        </p:nvCxnSpPr>
+        <p:spPr>
+          <a:xfrm flipH="1">
+            <a:off x="1046840" y="3065791"/>
+            <a:ext cx="3648554" cy="18409"/>
+          </a:xfrm>
+          <a:prstGeom prst="line">
+            <a:avLst/>
+          </a:prstGeom>
+          <a:ln w="19050" cap="flat" cmpd="sng" algn="ctr">
+            <a:solidFill>
+              <a:schemeClr val="dk1"/>
+            </a:solidFill>
+            <a:prstDash val="solid"/>
+            <a:round/>
+            <a:headEnd type="arrow" w="med" len="med"/>
+            <a:tailEnd type="arrow" w="med" len="med"/>
+          </a:ln>
+        </p:spPr>
+        <p:style>
+          <a:lnRef idx="0">
+            <a:scrgbClr r="0" g="0" b="0"/>
+          </a:lnRef>
+          <a:fillRef idx="0">
+            <a:scrgbClr r="0" g="0" b="0"/>
+          </a:fillRef>
+          <a:effectRef idx="0">
+            <a:scrgbClr r="0" g="0" b="0"/>
+          </a:effectRef>
+          <a:fontRef idx="minor">
+            <a:schemeClr val="tx1"/>
+          </a:fontRef>
+        </p:style>
+      </p:cxnSp>
     </p:spTree>
     <p:extLst>
       <p:ext uri="{BB962C8B-B14F-4D97-AF65-F5344CB8AC3E}">
@@ -5748,13 +5510,6 @@
   <p:clrMapOvr>
     <a:masterClrMapping/>
   </p:clrMapOvr>
-  <p:timing>
-    <p:tnLst>
-      <p:par>
-        <p:cTn id="1" dur="indefinite" restart="never" nodeType="tmRoot"/>
-      </p:par>
-    </p:tnLst>
-  </p:timing>
 </p:sld>
 </file>
 

--- a/Visualisations/Fig_Continua.pptx
+++ b/Visualisations/Fig_Continua.pptx
@@ -243,7 +243,7 @@
           <a:p>
             <a:fld id="{C85144DE-560A-46E8-8926-C4F4797BEAE9}" type="datetimeFigureOut">
               <a:rPr lang="en-GB" smtClean="0"/>
-              <a:t>30/05/2021</a:t>
+              <a:t>31/05/2021</a:t>
             </a:fld>
             <a:endParaRPr lang="en-GB"/>
           </a:p>
@@ -413,7 +413,7 @@
           <a:p>
             <a:fld id="{C85144DE-560A-46E8-8926-C4F4797BEAE9}" type="datetimeFigureOut">
               <a:rPr lang="en-GB" smtClean="0"/>
-              <a:t>30/05/2021</a:t>
+              <a:t>31/05/2021</a:t>
             </a:fld>
             <a:endParaRPr lang="en-GB"/>
           </a:p>
@@ -593,7 +593,7 @@
           <a:p>
             <a:fld id="{C85144DE-560A-46E8-8926-C4F4797BEAE9}" type="datetimeFigureOut">
               <a:rPr lang="en-GB" smtClean="0"/>
-              <a:t>30/05/2021</a:t>
+              <a:t>31/05/2021</a:t>
             </a:fld>
             <a:endParaRPr lang="en-GB"/>
           </a:p>
@@ -763,7 +763,7 @@
           <a:p>
             <a:fld id="{C85144DE-560A-46E8-8926-C4F4797BEAE9}" type="datetimeFigureOut">
               <a:rPr lang="en-GB" smtClean="0"/>
-              <a:t>30/05/2021</a:t>
+              <a:t>31/05/2021</a:t>
             </a:fld>
             <a:endParaRPr lang="en-GB"/>
           </a:p>
@@ -1007,7 +1007,7 @@
           <a:p>
             <a:fld id="{C85144DE-560A-46E8-8926-C4F4797BEAE9}" type="datetimeFigureOut">
               <a:rPr lang="en-GB" smtClean="0"/>
-              <a:t>30/05/2021</a:t>
+              <a:t>31/05/2021</a:t>
             </a:fld>
             <a:endParaRPr lang="en-GB"/>
           </a:p>
@@ -1239,7 +1239,7 @@
           <a:p>
             <a:fld id="{C85144DE-560A-46E8-8926-C4F4797BEAE9}" type="datetimeFigureOut">
               <a:rPr lang="en-GB" smtClean="0"/>
-              <a:t>30/05/2021</a:t>
+              <a:t>31/05/2021</a:t>
             </a:fld>
             <a:endParaRPr lang="en-GB"/>
           </a:p>
@@ -1606,7 +1606,7 @@
           <a:p>
             <a:fld id="{C85144DE-560A-46E8-8926-C4F4797BEAE9}" type="datetimeFigureOut">
               <a:rPr lang="en-GB" smtClean="0"/>
-              <a:t>30/05/2021</a:t>
+              <a:t>31/05/2021</a:t>
             </a:fld>
             <a:endParaRPr lang="en-GB"/>
           </a:p>
@@ -1724,7 +1724,7 @@
           <a:p>
             <a:fld id="{C85144DE-560A-46E8-8926-C4F4797BEAE9}" type="datetimeFigureOut">
               <a:rPr lang="en-GB" smtClean="0"/>
-              <a:t>30/05/2021</a:t>
+              <a:t>31/05/2021</a:t>
             </a:fld>
             <a:endParaRPr lang="en-GB"/>
           </a:p>
@@ -1819,7 +1819,7 @@
           <a:p>
             <a:fld id="{C85144DE-560A-46E8-8926-C4F4797BEAE9}" type="datetimeFigureOut">
               <a:rPr lang="en-GB" smtClean="0"/>
-              <a:t>30/05/2021</a:t>
+              <a:t>31/05/2021</a:t>
             </a:fld>
             <a:endParaRPr lang="en-GB"/>
           </a:p>
@@ -2096,7 +2096,7 @@
           <a:p>
             <a:fld id="{C85144DE-560A-46E8-8926-C4F4797BEAE9}" type="datetimeFigureOut">
               <a:rPr lang="en-GB" smtClean="0"/>
-              <a:t>30/05/2021</a:t>
+              <a:t>31/05/2021</a:t>
             </a:fld>
             <a:endParaRPr lang="en-GB"/>
           </a:p>
@@ -2353,7 +2353,7 @@
           <a:p>
             <a:fld id="{C85144DE-560A-46E8-8926-C4F4797BEAE9}" type="datetimeFigureOut">
               <a:rPr lang="en-GB" smtClean="0"/>
-              <a:t>30/05/2021</a:t>
+              <a:t>31/05/2021</a:t>
             </a:fld>
             <a:endParaRPr lang="en-GB"/>
           </a:p>
@@ -2566,7 +2566,7 @@
           <a:p>
             <a:fld id="{C85144DE-560A-46E8-8926-C4F4797BEAE9}" type="datetimeFigureOut">
               <a:rPr lang="en-GB" smtClean="0"/>
-              <a:t>30/05/2021</a:t>
+              <a:t>31/05/2021</a:t>
             </a:fld>
             <a:endParaRPr lang="en-GB"/>
           </a:p>
@@ -3121,8 +3121,8 @@
         </p:blipFill>
         <p:spPr>
           <a:xfrm>
-            <a:off x="5089291" y="7259135"/>
-            <a:ext cx="1376606" cy="947761"/>
+            <a:off x="5012540" y="6921468"/>
+            <a:ext cx="1292715" cy="890004"/>
           </a:xfrm>
           <a:prstGeom prst="rect">
             <a:avLst/>
@@ -3151,7 +3151,7 @@
         </p:blipFill>
         <p:spPr>
           <a:xfrm flipH="1">
-            <a:off x="6562460" y="7919734"/>
+            <a:off x="6401819" y="7524310"/>
             <a:ext cx="1405467" cy="967631"/>
           </a:xfrm>
           <a:prstGeom prst="rect">
@@ -3181,8 +3181,8 @@
         </p:blipFill>
         <p:spPr>
           <a:xfrm>
-            <a:off x="5198173" y="5221330"/>
-            <a:ext cx="1267724" cy="1210775"/>
+            <a:off x="5127825" y="5083476"/>
+            <a:ext cx="1140359" cy="1089132"/>
           </a:xfrm>
           <a:prstGeom prst="rect">
             <a:avLst/>
@@ -3203,7 +3203,7 @@
         </p:nvSpPr>
         <p:spPr>
           <a:xfrm>
-            <a:off x="699585" y="4664886"/>
+            <a:off x="699585" y="4541316"/>
             <a:ext cx="2068286" cy="285335"/>
           </a:xfrm>
           <a:prstGeom prst="rect">
@@ -3249,7 +3249,7 @@
         </p:nvSpPr>
         <p:spPr>
           <a:xfrm>
-            <a:off x="726383" y="9071213"/>
+            <a:off x="726383" y="8317446"/>
             <a:ext cx="5058747" cy="269241"/>
           </a:xfrm>
           <a:prstGeom prst="rect">
@@ -3291,7 +3291,7 @@
         </p:nvSpPr>
         <p:spPr>
           <a:xfrm>
-            <a:off x="699585" y="7117508"/>
+            <a:off x="699585" y="6635588"/>
             <a:ext cx="5058747" cy="269241"/>
           </a:xfrm>
           <a:prstGeom prst="rect">
@@ -3333,7 +3333,7 @@
         </p:nvSpPr>
         <p:spPr>
           <a:xfrm>
-            <a:off x="699585" y="5048780"/>
+            <a:off x="699585" y="4925210"/>
             <a:ext cx="5058747" cy="285335"/>
           </a:xfrm>
           <a:prstGeom prst="rect">
@@ -3369,7 +3369,7 @@
         </p:nvCxnSpPr>
         <p:spPr>
           <a:xfrm flipV="1">
-            <a:off x="769474" y="4929478"/>
+            <a:off x="769474" y="4805908"/>
             <a:ext cx="7376160" cy="21136"/>
           </a:xfrm>
           <a:prstGeom prst="line">
@@ -3453,7 +3453,7 @@
         </p:nvSpPr>
         <p:spPr>
           <a:xfrm>
-            <a:off x="762798" y="2704980"/>
+            <a:off x="762798" y="2643195"/>
             <a:ext cx="5058747" cy="285335"/>
           </a:xfrm>
           <a:prstGeom prst="rect">
@@ -3503,7 +3503,7 @@
         </p:blipFill>
         <p:spPr>
           <a:xfrm>
-            <a:off x="6503649" y="5982669"/>
+            <a:off x="6343008" y="5760243"/>
             <a:ext cx="1267724" cy="1210775"/>
           </a:xfrm>
           <a:prstGeom prst="rect">
@@ -3525,7 +3525,7 @@
         </p:nvSpPr>
         <p:spPr>
           <a:xfrm>
-            <a:off x="726383" y="6006285"/>
+            <a:off x="726383" y="5586149"/>
             <a:ext cx="4565551" cy="941283"/>
           </a:xfrm>
           <a:prstGeom prst="rect">
@@ -3561,11 +3561,18 @@
               </a:lnSpc>
             </a:pPr>
             <a:r>
+              <a:rPr lang="en-GB" sz="1100" i="1" dirty="0" smtClean="0">
+                <a:latin typeface="Arial" panose="020B0604020202020204" pitchFamily="34" charset="0"/>
+                <a:cs typeface="Arial" panose="020B0604020202020204" pitchFamily="34" charset="0"/>
+              </a:rPr>
+              <a:t>Examples </a:t>
+            </a:r>
+            <a:r>
               <a:rPr lang="en-GB" sz="1100" i="1" dirty="0">
                 <a:latin typeface="Arial" panose="020B0604020202020204" pitchFamily="34" charset="0"/>
                 <a:cs typeface="Arial" panose="020B0604020202020204" pitchFamily="34" charset="0"/>
               </a:rPr>
-              <a:t>Examples of relevant ITV : competitive and cooperative behavioural phenotype, resource use, hormonal variation</a:t>
+              <a:t>of relevant ITV : competitive and cooperative behavioural phenotype, resource use, hormonal variation</a:t>
             </a:r>
           </a:p>
         </p:txBody>
@@ -3640,7 +3647,7 @@
         </p:nvGrpSpPr>
         <p:grpSpPr>
           <a:xfrm>
-            <a:off x="6483854" y="1852461"/>
+            <a:off x="6323213" y="1852461"/>
             <a:ext cx="1412599" cy="1112717"/>
             <a:chOff x="6959161" y="1620891"/>
             <a:chExt cx="1673527" cy="1337042"/>
@@ -3792,7 +3799,7 @@
         </p:blipFill>
         <p:spPr>
           <a:xfrm flipH="1">
-            <a:off x="5617917" y="985101"/>
+            <a:off x="5457276" y="985101"/>
             <a:ext cx="865937" cy="1499470"/>
           </a:xfrm>
           <a:prstGeom prst="rect">
@@ -3822,8 +3829,8 @@
         </p:blipFill>
         <p:spPr>
           <a:xfrm rot="4361398">
-            <a:off x="6190224" y="3234597"/>
-            <a:ext cx="2052088" cy="1653294"/>
+            <a:off x="6043225" y="3224451"/>
+            <a:ext cx="2000450" cy="1611691"/>
           </a:xfrm>
           <a:prstGeom prst="rect">
             <a:avLst/>
@@ -3852,7 +3859,7 @@
         </p:blipFill>
         <p:spPr>
           <a:xfrm rot="5400000">
-            <a:off x="5609103" y="3291151"/>
+            <a:off x="5448462" y="3229366"/>
             <a:ext cx="627625" cy="744714"/>
           </a:xfrm>
           <a:prstGeom prst="rect">
@@ -3882,7 +3889,7 @@
         </p:blipFill>
         <p:spPr>
           <a:xfrm rot="2887419">
-            <a:off x="5494207" y="3104920"/>
+            <a:off x="5333566" y="3043135"/>
             <a:ext cx="561428" cy="666167"/>
           </a:xfrm>
           <a:prstGeom prst="rect">
@@ -3912,7 +3919,7 @@
         </p:blipFill>
         <p:spPr>
           <a:xfrm rot="16532067">
-            <a:off x="5639454" y="3038491"/>
+            <a:off x="5478813" y="2976706"/>
             <a:ext cx="561428" cy="666167"/>
           </a:xfrm>
           <a:prstGeom prst="rect">
@@ -4025,7 +4032,7 @@
         </p:nvSpPr>
         <p:spPr>
           <a:xfrm>
-            <a:off x="731323" y="3385158"/>
+            <a:off x="731323" y="3323373"/>
             <a:ext cx="4555882" cy="1134285"/>
           </a:xfrm>
           <a:prstGeom prst="rect">
@@ -4115,7 +4122,7 @@
         </p:nvSpPr>
         <p:spPr>
           <a:xfrm>
-            <a:off x="729390" y="3132768"/>
+            <a:off x="729390" y="3058626"/>
             <a:ext cx="4849789" cy="267766"/>
           </a:xfrm>
           <a:prstGeom prst="rect">
@@ -4160,7 +4167,7 @@
         </p:nvSpPr>
         <p:spPr>
           <a:xfrm>
-            <a:off x="751217" y="5643003"/>
+            <a:off x="751217" y="5321724"/>
             <a:ext cx="4849789" cy="267766"/>
           </a:xfrm>
           <a:prstGeom prst="rect">
@@ -4188,98 +4195,6 @@
               </a:rPr>
               <a:t>cooperation 					          competition/conflict</a:t>
             </a:r>
-          </a:p>
-        </p:txBody>
-      </p:sp>
-      <p:sp>
-        <p:nvSpPr>
-          <p:cNvPr id="134" name="Rectangle 133">
-            <a:extLst>
-              <a:ext uri="{FF2B5EF4-FFF2-40B4-BE49-F238E27FC236}">
-                <a16:creationId xmlns:a16="http://schemas.microsoft.com/office/drawing/2014/main" id="{F5F49C06-7E04-4FCF-9D02-EF1CBF581FF4}"/>
-              </a:ext>
-            </a:extLst>
-          </p:cNvPr>
-          <p:cNvSpPr/>
-          <p:nvPr/>
-        </p:nvSpPr>
-        <p:spPr>
-          <a:xfrm>
-            <a:off x="781125" y="5346589"/>
-            <a:ext cx="322406" cy="413896"/>
-          </a:xfrm>
-          <a:prstGeom prst="rect">
-            <a:avLst/>
-          </a:prstGeom>
-        </p:spPr>
-        <p:txBody>
-          <a:bodyPr wrap="square">
-            <a:spAutoFit/>
-          </a:bodyPr>
-          <a:lstStyle/>
-          <a:p>
-            <a:pPr>
-              <a:lnSpc>
-                <a:spcPct val="114000"/>
-              </a:lnSpc>
-            </a:pPr>
-            <a:r>
-              <a:rPr lang="en-GB" sz="2000" dirty="0">
-                <a:latin typeface="Arial" panose="020B0604020202020204" pitchFamily="34" charset="0"/>
-                <a:cs typeface="Arial" panose="020B0604020202020204" pitchFamily="34" charset="0"/>
-              </a:rPr>
-              <a:t>+</a:t>
-            </a:r>
-            <a:endParaRPr lang="en-GB" sz="2800" dirty="0">
-              <a:latin typeface="Arial" panose="020B0604020202020204" pitchFamily="34" charset="0"/>
-              <a:cs typeface="Arial" panose="020B0604020202020204" pitchFamily="34" charset="0"/>
-            </a:endParaRPr>
-          </a:p>
-        </p:txBody>
-      </p:sp>
-      <p:sp>
-        <p:nvSpPr>
-          <p:cNvPr id="136" name="Rectangle 135">
-            <a:extLst>
-              <a:ext uri="{FF2B5EF4-FFF2-40B4-BE49-F238E27FC236}">
-                <a16:creationId xmlns:a16="http://schemas.microsoft.com/office/drawing/2014/main" id="{F5F49C06-7E04-4FCF-9D02-EF1CBF581FF4}"/>
-              </a:ext>
-            </a:extLst>
-          </p:cNvPr>
-          <p:cNvSpPr/>
-          <p:nvPr/>
-        </p:nvSpPr>
-        <p:spPr>
-          <a:xfrm>
-            <a:off x="4852596" y="5317084"/>
-            <a:ext cx="322406" cy="413896"/>
-          </a:xfrm>
-          <a:prstGeom prst="rect">
-            <a:avLst/>
-          </a:prstGeom>
-        </p:spPr>
-        <p:txBody>
-          <a:bodyPr wrap="square">
-            <a:spAutoFit/>
-          </a:bodyPr>
-          <a:lstStyle/>
-          <a:p>
-            <a:pPr>
-              <a:lnSpc>
-                <a:spcPct val="114000"/>
-              </a:lnSpc>
-            </a:pPr>
-            <a:r>
-              <a:rPr lang="en-US" sz="2000" dirty="0">
-                <a:latin typeface="Arial" panose="020B0604020202020204" pitchFamily="34" charset="0"/>
-                <a:cs typeface="Arial" panose="020B0604020202020204" pitchFamily="34" charset="0"/>
-              </a:rPr>
-              <a:t>-</a:t>
-            </a:r>
-            <a:endParaRPr lang="en-GB" sz="2800" dirty="0">
-              <a:latin typeface="Arial" panose="020B0604020202020204" pitchFamily="34" charset="0"/>
-              <a:cs typeface="Arial" panose="020B0604020202020204" pitchFamily="34" charset="0"/>
-            </a:endParaRPr>
           </a:p>
         </p:txBody>
       </p:sp>
@@ -4297,7 +4212,7 @@
         </p:nvSpPr>
         <p:spPr>
           <a:xfrm>
-            <a:off x="739778" y="7868650"/>
+            <a:off x="739778" y="7287878"/>
             <a:ext cx="4402966" cy="941283"/>
           </a:xfrm>
           <a:prstGeom prst="rect">
@@ -4356,7 +4271,7 @@
         </p:nvSpPr>
         <p:spPr>
           <a:xfrm>
-            <a:off x="762799" y="7527794"/>
+            <a:off x="762799" y="7033516"/>
             <a:ext cx="4849789" cy="267766"/>
           </a:xfrm>
           <a:prstGeom prst="rect">
@@ -4384,132 +4299,6 @@
               </a:rPr>
               <a:t>cooperation 					          competition/conflict</a:t>
             </a:r>
-          </a:p>
-        </p:txBody>
-      </p:sp>
-      <p:cxnSp>
-        <p:nvCxnSpPr>
-          <p:cNvPr id="151" name="Straight Arrow Connector 150"/>
-          <p:cNvCxnSpPr/>
-          <p:nvPr/>
-        </p:nvCxnSpPr>
-        <p:spPr>
-          <a:xfrm flipV="1">
-            <a:off x="1029755" y="7465732"/>
-            <a:ext cx="3916120" cy="9243"/>
-          </a:xfrm>
-          <a:prstGeom prst="straightConnector1">
-            <a:avLst/>
-          </a:prstGeom>
-          <a:ln>
-            <a:headEnd type="triangle"/>
-            <a:tailEnd type="triangle"/>
-          </a:ln>
-        </p:spPr>
-        <p:style>
-          <a:lnRef idx="2">
-            <a:schemeClr val="dk1"/>
-          </a:lnRef>
-          <a:fillRef idx="0">
-            <a:schemeClr val="dk1"/>
-          </a:fillRef>
-          <a:effectRef idx="1">
-            <a:schemeClr val="dk1"/>
-          </a:effectRef>
-          <a:fontRef idx="minor">
-            <a:schemeClr val="tx1"/>
-          </a:fontRef>
-        </p:style>
-      </p:cxnSp>
-      <p:sp>
-        <p:nvSpPr>
-          <p:cNvPr id="154" name="Rectangle 153">
-            <a:extLst>
-              <a:ext uri="{FF2B5EF4-FFF2-40B4-BE49-F238E27FC236}">
-                <a16:creationId xmlns:a16="http://schemas.microsoft.com/office/drawing/2014/main" id="{F5F49C06-7E04-4FCF-9D02-EF1CBF581FF4}"/>
-              </a:ext>
-            </a:extLst>
-          </p:cNvPr>
-          <p:cNvSpPr/>
-          <p:nvPr/>
-        </p:nvSpPr>
-        <p:spPr>
-          <a:xfrm>
-            <a:off x="792707" y="7260720"/>
-            <a:ext cx="322406" cy="413896"/>
-          </a:xfrm>
-          <a:prstGeom prst="rect">
-            <a:avLst/>
-          </a:prstGeom>
-        </p:spPr>
-        <p:txBody>
-          <a:bodyPr wrap="square">
-            <a:spAutoFit/>
-          </a:bodyPr>
-          <a:lstStyle/>
-          <a:p>
-            <a:pPr>
-              <a:lnSpc>
-                <a:spcPct val="114000"/>
-              </a:lnSpc>
-            </a:pPr>
-            <a:r>
-              <a:rPr lang="en-GB" sz="2000" dirty="0">
-                <a:latin typeface="Arial" panose="020B0604020202020204" pitchFamily="34" charset="0"/>
-                <a:cs typeface="Arial" panose="020B0604020202020204" pitchFamily="34" charset="0"/>
-              </a:rPr>
-              <a:t>+</a:t>
-            </a:r>
-            <a:endParaRPr lang="en-GB" sz="2800" dirty="0">
-              <a:latin typeface="Arial" panose="020B0604020202020204" pitchFamily="34" charset="0"/>
-              <a:cs typeface="Arial" panose="020B0604020202020204" pitchFamily="34" charset="0"/>
-            </a:endParaRPr>
-          </a:p>
-        </p:txBody>
-      </p:sp>
-      <p:sp>
-        <p:nvSpPr>
-          <p:cNvPr id="156" name="Rectangle 155">
-            <a:extLst>
-              <a:ext uri="{FF2B5EF4-FFF2-40B4-BE49-F238E27FC236}">
-                <a16:creationId xmlns:a16="http://schemas.microsoft.com/office/drawing/2014/main" id="{F5F49C06-7E04-4FCF-9D02-EF1CBF581FF4}"/>
-              </a:ext>
-            </a:extLst>
-          </p:cNvPr>
-          <p:cNvSpPr/>
-          <p:nvPr/>
-        </p:nvSpPr>
-        <p:spPr>
-          <a:xfrm>
-            <a:off x="4864178" y="7228728"/>
-            <a:ext cx="322406" cy="413896"/>
-          </a:xfrm>
-          <a:prstGeom prst="rect">
-            <a:avLst/>
-          </a:prstGeom>
-        </p:spPr>
-        <p:txBody>
-          <a:bodyPr wrap="square">
-            <a:spAutoFit/>
-          </a:bodyPr>
-          <a:lstStyle/>
-          <a:p>
-            <a:pPr>
-              <a:lnSpc>
-                <a:spcPct val="114000"/>
-              </a:lnSpc>
-            </a:pPr>
-            <a:r>
-              <a:rPr lang="en-US" sz="2000" dirty="0">
-                <a:latin typeface="Arial" panose="020B0604020202020204" pitchFamily="34" charset="0"/>
-                <a:cs typeface="Arial" panose="020B0604020202020204" pitchFamily="34" charset="0"/>
-              </a:rPr>
-              <a:t>-</a:t>
-            </a:r>
-            <a:endParaRPr lang="en-GB" sz="2800" dirty="0">
-              <a:latin typeface="Arial" panose="020B0604020202020204" pitchFamily="34" charset="0"/>
-              <a:cs typeface="Arial" panose="020B0604020202020204" pitchFamily="34" charset="0"/>
-            </a:endParaRPr>
           </a:p>
         </p:txBody>
       </p:sp>
@@ -4527,7 +4316,7 @@
         </p:nvSpPr>
         <p:spPr>
           <a:xfrm>
-            <a:off x="744854" y="9973306"/>
+            <a:off x="744854" y="8984757"/>
             <a:ext cx="4202917" cy="941283"/>
           </a:xfrm>
           <a:prstGeom prst="rect">
@@ -4569,172 +4358,6 @@
               </a:rPr>
               <a:t>Examples of relevant ITV : behavioural phenotype, individual condition, reproductive potential</a:t>
             </a:r>
-          </a:p>
-        </p:txBody>
-      </p:sp>
-      <p:cxnSp>
-        <p:nvCxnSpPr>
-          <p:cNvPr id="159" name="Straight Arrow Connector 158"/>
-          <p:cNvCxnSpPr/>
-          <p:nvPr/>
-        </p:nvCxnSpPr>
-        <p:spPr>
-          <a:xfrm flipV="1">
-            <a:off x="1031651" y="9459317"/>
-            <a:ext cx="3916120" cy="9243"/>
-          </a:xfrm>
-          <a:prstGeom prst="straightConnector1">
-            <a:avLst/>
-          </a:prstGeom>
-          <a:ln w="19050">
-            <a:solidFill>
-              <a:schemeClr val="tx1"/>
-            </a:solidFill>
-            <a:headEnd type="triangle"/>
-            <a:tailEnd type="triangle"/>
-          </a:ln>
-        </p:spPr>
-        <p:style>
-          <a:lnRef idx="1">
-            <a:schemeClr val="accent1"/>
-          </a:lnRef>
-          <a:fillRef idx="0">
-            <a:schemeClr val="accent1"/>
-          </a:fillRef>
-          <a:effectRef idx="0">
-            <a:schemeClr val="accent1"/>
-          </a:effectRef>
-          <a:fontRef idx="minor">
-            <a:schemeClr val="tx1"/>
-          </a:fontRef>
-        </p:style>
-      </p:cxnSp>
-      <p:cxnSp>
-        <p:nvCxnSpPr>
-          <p:cNvPr id="160" name="Straight Arrow Connector 159"/>
-          <p:cNvCxnSpPr/>
-          <p:nvPr/>
-        </p:nvCxnSpPr>
-        <p:spPr>
-          <a:xfrm flipV="1">
-            <a:off x="1032130" y="9592204"/>
-            <a:ext cx="3915641" cy="3947"/>
-          </a:xfrm>
-          <a:prstGeom prst="straightConnector1">
-            <a:avLst/>
-          </a:prstGeom>
-          <a:ln w="19050">
-            <a:solidFill>
-              <a:schemeClr val="tx1"/>
-            </a:solidFill>
-            <a:headEnd type="triangle"/>
-            <a:tailEnd type="triangle"/>
-          </a:ln>
-        </p:spPr>
-        <p:style>
-          <a:lnRef idx="1">
-            <a:schemeClr val="accent1"/>
-          </a:lnRef>
-          <a:fillRef idx="0">
-            <a:schemeClr val="accent1"/>
-          </a:fillRef>
-          <a:effectRef idx="0">
-            <a:schemeClr val="accent1"/>
-          </a:effectRef>
-          <a:fontRef idx="minor">
-            <a:schemeClr val="tx1"/>
-          </a:fontRef>
-        </p:style>
-      </p:cxnSp>
-      <p:sp>
-        <p:nvSpPr>
-          <p:cNvPr id="162" name="Rectangle 161">
-            <a:extLst>
-              <a:ext uri="{FF2B5EF4-FFF2-40B4-BE49-F238E27FC236}">
-                <a16:creationId xmlns:a16="http://schemas.microsoft.com/office/drawing/2014/main" id="{F5F49C06-7E04-4FCF-9D02-EF1CBF581FF4}"/>
-              </a:ext>
-            </a:extLst>
-          </p:cNvPr>
-          <p:cNvSpPr/>
-          <p:nvPr/>
-        </p:nvSpPr>
-        <p:spPr>
-          <a:xfrm>
-            <a:off x="799597" y="9313610"/>
-            <a:ext cx="322406" cy="413896"/>
-          </a:xfrm>
-          <a:prstGeom prst="rect">
-            <a:avLst/>
-          </a:prstGeom>
-        </p:spPr>
-        <p:txBody>
-          <a:bodyPr wrap="square">
-            <a:spAutoFit/>
-          </a:bodyPr>
-          <a:lstStyle/>
-          <a:p>
-            <a:pPr>
-              <a:lnSpc>
-                <a:spcPct val="114000"/>
-              </a:lnSpc>
-            </a:pPr>
-            <a:r>
-              <a:rPr lang="en-GB" sz="2000" dirty="0">
-                <a:latin typeface="Arial" panose="020B0604020202020204" pitchFamily="34" charset="0"/>
-                <a:cs typeface="Arial" panose="020B0604020202020204" pitchFamily="34" charset="0"/>
-              </a:rPr>
-              <a:t>+</a:t>
-            </a:r>
-            <a:endParaRPr lang="en-GB" sz="2800" dirty="0">
-              <a:latin typeface="Arial" panose="020B0604020202020204" pitchFamily="34" charset="0"/>
-              <a:cs typeface="Arial" panose="020B0604020202020204" pitchFamily="34" charset="0"/>
-            </a:endParaRPr>
-          </a:p>
-        </p:txBody>
-      </p:sp>
-      <p:sp>
-        <p:nvSpPr>
-          <p:cNvPr id="164" name="Rectangle 163">
-            <a:extLst>
-              <a:ext uri="{FF2B5EF4-FFF2-40B4-BE49-F238E27FC236}">
-                <a16:creationId xmlns:a16="http://schemas.microsoft.com/office/drawing/2014/main" id="{F5F49C06-7E04-4FCF-9D02-EF1CBF581FF4}"/>
-              </a:ext>
-            </a:extLst>
-          </p:cNvPr>
-          <p:cNvSpPr/>
-          <p:nvPr/>
-        </p:nvSpPr>
-        <p:spPr>
-          <a:xfrm>
-            <a:off x="4871068" y="9284105"/>
-            <a:ext cx="322406" cy="413896"/>
-          </a:xfrm>
-          <a:prstGeom prst="rect">
-            <a:avLst/>
-          </a:prstGeom>
-        </p:spPr>
-        <p:txBody>
-          <a:bodyPr wrap="square">
-            <a:spAutoFit/>
-          </a:bodyPr>
-          <a:lstStyle/>
-          <a:p>
-            <a:pPr>
-              <a:lnSpc>
-                <a:spcPct val="114000"/>
-              </a:lnSpc>
-            </a:pPr>
-            <a:r>
-              <a:rPr lang="en-US" sz="2000" dirty="0">
-                <a:latin typeface="Arial" panose="020B0604020202020204" pitchFamily="34" charset="0"/>
-                <a:cs typeface="Arial" panose="020B0604020202020204" pitchFamily="34" charset="0"/>
-              </a:rPr>
-              <a:t>-</a:t>
-            </a:r>
-            <a:endParaRPr lang="en-GB" sz="2800" dirty="0">
-              <a:latin typeface="Arial" panose="020B0604020202020204" pitchFamily="34" charset="0"/>
-              <a:cs typeface="Arial" panose="020B0604020202020204" pitchFamily="34" charset="0"/>
-            </a:endParaRPr>
           </a:p>
         </p:txBody>
       </p:sp>
@@ -4752,7 +4375,7 @@
         </p:nvSpPr>
         <p:spPr>
           <a:xfrm>
-            <a:off x="778302" y="9631911"/>
+            <a:off x="778302" y="8717502"/>
             <a:ext cx="4849789" cy="253083"/>
           </a:xfrm>
           <a:prstGeom prst="rect">
@@ -4805,7 +4428,7 @@
         </p:blipFill>
         <p:spPr>
           <a:xfrm flipH="1">
-            <a:off x="6503649" y="10135179"/>
+            <a:off x="6343008" y="9492616"/>
             <a:ext cx="986552" cy="414381"/>
           </a:xfrm>
           <a:prstGeom prst="rect">
@@ -4835,7 +4458,7 @@
         </p:blipFill>
         <p:spPr>
           <a:xfrm flipH="1">
-            <a:off x="5006184" y="9266943"/>
+            <a:off x="4845543" y="8624380"/>
             <a:ext cx="1572677" cy="762706"/>
           </a:xfrm>
           <a:prstGeom prst="rect">
@@ -4859,7 +4482,7 @@
         </p:nvCxnSpPr>
         <p:spPr>
           <a:xfrm flipV="1">
-            <a:off x="5941445" y="5656074"/>
+            <a:off x="5780804" y="5433648"/>
             <a:ext cx="1017829" cy="1019374"/>
           </a:xfrm>
           <a:prstGeom prst="line">
@@ -4906,7 +4529,7 @@
         </p:nvCxnSpPr>
         <p:spPr>
           <a:xfrm flipH="1">
-            <a:off x="5761815" y="5748217"/>
+            <a:off x="5601174" y="5525791"/>
             <a:ext cx="1020286" cy="1018582"/>
           </a:xfrm>
           <a:prstGeom prst="line">
@@ -4953,7 +4576,7 @@
         </p:nvCxnSpPr>
         <p:spPr>
           <a:xfrm flipV="1">
-            <a:off x="5935634" y="7542193"/>
+            <a:off x="5774993" y="7146769"/>
             <a:ext cx="1017829" cy="1019374"/>
           </a:xfrm>
           <a:prstGeom prst="line">
@@ -5000,7 +4623,7 @@
         </p:nvCxnSpPr>
         <p:spPr>
           <a:xfrm flipH="1">
-            <a:off x="5756004" y="7634336"/>
+            <a:off x="5595363" y="7238912"/>
             <a:ext cx="1020286" cy="1018582"/>
           </a:xfrm>
           <a:prstGeom prst="line">
@@ -5047,7 +4670,7 @@
         </p:nvCxnSpPr>
         <p:spPr>
           <a:xfrm flipV="1">
-            <a:off x="5946992" y="9521512"/>
+            <a:off x="5786351" y="8878949"/>
             <a:ext cx="1017829" cy="1019374"/>
           </a:xfrm>
           <a:prstGeom prst="line">
@@ -5094,7 +4717,7 @@
         </p:nvCxnSpPr>
         <p:spPr>
           <a:xfrm flipH="1">
-            <a:off x="5767362" y="9613655"/>
+            <a:off x="5606721" y="8971092"/>
             <a:ext cx="1020286" cy="1018582"/>
           </a:xfrm>
           <a:prstGeom prst="line">
@@ -5141,7 +4764,7 @@
         </p:nvCxnSpPr>
         <p:spPr>
           <a:xfrm flipV="1">
-            <a:off x="5975765" y="3279589"/>
+            <a:off x="5815124" y="3217804"/>
             <a:ext cx="1017829" cy="1019374"/>
           </a:xfrm>
           <a:prstGeom prst="line">
@@ -5188,7 +4811,7 @@
         </p:nvCxnSpPr>
         <p:spPr>
           <a:xfrm flipH="1">
-            <a:off x="5796135" y="3371732"/>
+            <a:off x="5635494" y="3309947"/>
             <a:ext cx="1020286" cy="1018582"/>
           </a:xfrm>
           <a:prstGeom prst="line">
@@ -5235,7 +4858,7 @@
         </p:nvCxnSpPr>
         <p:spPr>
           <a:xfrm flipV="1">
-            <a:off x="5946992" y="1462866"/>
+            <a:off x="5786351" y="1462866"/>
             <a:ext cx="1017829" cy="1019374"/>
           </a:xfrm>
           <a:prstGeom prst="line">
@@ -5282,7 +4905,7 @@
         </p:nvCxnSpPr>
         <p:spPr>
           <a:xfrm flipH="1">
-            <a:off x="5767362" y="1555009"/>
+            <a:off x="5606721" y="1555009"/>
             <a:ext cx="1020286" cy="1018582"/>
           </a:xfrm>
           <a:prstGeom prst="line">
@@ -5374,7 +4997,7 @@
         </p:nvSpPr>
         <p:spPr>
           <a:xfrm>
-            <a:off x="4697113" y="2805864"/>
+            <a:off x="4697113" y="2744079"/>
             <a:ext cx="322406" cy="413896"/>
           </a:xfrm>
           <a:prstGeom prst="rect">
@@ -5420,7 +5043,7 @@
         </p:nvSpPr>
         <p:spPr>
           <a:xfrm>
-            <a:off x="738153" y="2880137"/>
+            <a:off x="738153" y="2818352"/>
             <a:ext cx="308687" cy="408125"/>
           </a:xfrm>
           <a:prstGeom prst="rect">
@@ -5469,7 +5092,426 @@
         </p:nvCxnSpPr>
         <p:spPr>
           <a:xfrm flipH="1">
-            <a:off x="1046840" y="3065791"/>
+            <a:off x="1046840" y="3004006"/>
+            <a:ext cx="3648554" cy="18409"/>
+          </a:xfrm>
+          <a:prstGeom prst="line">
+            <a:avLst/>
+          </a:prstGeom>
+          <a:ln w="19050" cap="flat" cmpd="sng" algn="ctr">
+            <a:solidFill>
+              <a:schemeClr val="dk1"/>
+            </a:solidFill>
+            <a:prstDash val="solid"/>
+            <a:round/>
+            <a:headEnd type="arrow" w="med" len="med"/>
+            <a:tailEnd type="arrow" w="med" len="med"/>
+          </a:ln>
+        </p:spPr>
+        <p:style>
+          <a:lnRef idx="0">
+            <a:scrgbClr r="0" g="0" b="0"/>
+          </a:lnRef>
+          <a:fillRef idx="0">
+            <a:scrgbClr r="0" g="0" b="0"/>
+          </a:fillRef>
+          <a:effectRef idx="0">
+            <a:scrgbClr r="0" g="0" b="0"/>
+          </a:effectRef>
+          <a:fontRef idx="minor">
+            <a:schemeClr val="tx1"/>
+          </a:fontRef>
+        </p:style>
+      </p:cxnSp>
+      <p:sp>
+        <p:nvSpPr>
+          <p:cNvPr id="61" name="Rectangle 60">
+            <a:extLst>
+              <a:ext uri="{FF2B5EF4-FFF2-40B4-BE49-F238E27FC236}">
+                <a16:creationId xmlns:a16="http://schemas.microsoft.com/office/drawing/2014/main" id="{F5F49C06-7E04-4FCF-9D02-EF1CBF581FF4}"/>
+              </a:ext>
+            </a:extLst>
+          </p:cNvPr>
+          <p:cNvSpPr/>
+          <p:nvPr/>
+        </p:nvSpPr>
+        <p:spPr>
+          <a:xfrm>
+            <a:off x="4713015" y="5041896"/>
+            <a:ext cx="322406" cy="413896"/>
+          </a:xfrm>
+          <a:prstGeom prst="rect">
+            <a:avLst/>
+          </a:prstGeom>
+        </p:spPr>
+        <p:txBody>
+          <a:bodyPr wrap="square">
+            <a:spAutoFit/>
+          </a:bodyPr>
+          <a:lstStyle/>
+          <a:p>
+            <a:pPr>
+              <a:lnSpc>
+                <a:spcPct val="114000"/>
+              </a:lnSpc>
+            </a:pPr>
+            <a:r>
+              <a:rPr lang="en-US" sz="2000" dirty="0">
+                <a:latin typeface="Arial" panose="020B0604020202020204" pitchFamily="34" charset="0"/>
+                <a:cs typeface="Arial" panose="020B0604020202020204" pitchFamily="34" charset="0"/>
+              </a:rPr>
+              <a:t>-</a:t>
+            </a:r>
+            <a:endParaRPr lang="en-GB" sz="2800" dirty="0">
+              <a:latin typeface="Arial" panose="020B0604020202020204" pitchFamily="34" charset="0"/>
+              <a:cs typeface="Arial" panose="020B0604020202020204" pitchFamily="34" charset="0"/>
+            </a:endParaRPr>
+          </a:p>
+        </p:txBody>
+      </p:sp>
+      <p:sp>
+        <p:nvSpPr>
+          <p:cNvPr id="64" name="Rectangle 63">
+            <a:extLst>
+              <a:ext uri="{FF2B5EF4-FFF2-40B4-BE49-F238E27FC236}">
+                <a16:creationId xmlns:a16="http://schemas.microsoft.com/office/drawing/2014/main" id="{F5F49C06-7E04-4FCF-9D02-EF1CBF581FF4}"/>
+              </a:ext>
+            </a:extLst>
+          </p:cNvPr>
+          <p:cNvSpPr/>
+          <p:nvPr/>
+        </p:nvSpPr>
+        <p:spPr>
+          <a:xfrm>
+            <a:off x="749106" y="5096272"/>
+            <a:ext cx="308687" cy="408125"/>
+          </a:xfrm>
+          <a:prstGeom prst="rect">
+            <a:avLst/>
+          </a:prstGeom>
+        </p:spPr>
+        <p:txBody>
+          <a:bodyPr wrap="square">
+            <a:spAutoFit/>
+          </a:bodyPr>
+          <a:lstStyle/>
+          <a:p>
+            <a:pPr>
+              <a:lnSpc>
+                <a:spcPct val="114000"/>
+              </a:lnSpc>
+            </a:pPr>
+            <a:r>
+              <a:rPr lang="en-GB" dirty="0">
+                <a:latin typeface="Arial" panose="020B0604020202020204" pitchFamily="34" charset="0"/>
+                <a:cs typeface="Arial" panose="020B0604020202020204" pitchFamily="34" charset="0"/>
+              </a:rPr>
+              <a:t>+</a:t>
+            </a:r>
+            <a:endParaRPr lang="en-GB" sz="2400" dirty="0">
+              <a:latin typeface="Arial" panose="020B0604020202020204" pitchFamily="34" charset="0"/>
+              <a:cs typeface="Arial" panose="020B0604020202020204" pitchFamily="34" charset="0"/>
+            </a:endParaRPr>
+          </a:p>
+        </p:txBody>
+      </p:sp>
+      <p:cxnSp>
+        <p:nvCxnSpPr>
+          <p:cNvPr id="66" name="Straight Connector 65">
+            <a:extLst>
+              <a:ext uri="{FF2B5EF4-FFF2-40B4-BE49-F238E27FC236}">
+                <a16:creationId xmlns:a16="http://schemas.microsoft.com/office/drawing/2014/main" id="{8D5EDBF1-A526-4C14-98C2-E55B9F3652D7}"/>
+              </a:ext>
+            </a:extLst>
+          </p:cNvPr>
+          <p:cNvCxnSpPr>
+            <a:cxnSpLocks/>
+          </p:cNvCxnSpPr>
+          <p:nvPr/>
+        </p:nvCxnSpPr>
+        <p:spPr>
+          <a:xfrm flipH="1">
+            <a:off x="1057793" y="5281926"/>
+            <a:ext cx="3648553" cy="8664"/>
+          </a:xfrm>
+          <a:prstGeom prst="line">
+            <a:avLst/>
+          </a:prstGeom>
+          <a:ln w="19050" cap="flat" cmpd="sng" algn="ctr">
+            <a:solidFill>
+              <a:schemeClr val="dk1"/>
+            </a:solidFill>
+            <a:prstDash val="solid"/>
+            <a:round/>
+            <a:headEnd type="arrow" w="med" len="med"/>
+            <a:tailEnd type="arrow" w="med" len="med"/>
+          </a:ln>
+        </p:spPr>
+        <p:style>
+          <a:lnRef idx="0">
+            <a:scrgbClr r="0" g="0" b="0"/>
+          </a:lnRef>
+          <a:fillRef idx="0">
+            <a:scrgbClr r="0" g="0" b="0"/>
+          </a:fillRef>
+          <a:effectRef idx="0">
+            <a:scrgbClr r="0" g="0" b="0"/>
+          </a:effectRef>
+          <a:fontRef idx="minor">
+            <a:schemeClr val="tx1"/>
+          </a:fontRef>
+        </p:style>
+      </p:cxnSp>
+      <p:sp>
+        <p:nvSpPr>
+          <p:cNvPr id="68" name="Rectangle 67">
+            <a:extLst>
+              <a:ext uri="{FF2B5EF4-FFF2-40B4-BE49-F238E27FC236}">
+                <a16:creationId xmlns:a16="http://schemas.microsoft.com/office/drawing/2014/main" id="{DE4DBE48-A915-4302-8830-3D28F816F9B2}"/>
+              </a:ext>
+            </a:extLst>
+          </p:cNvPr>
+          <p:cNvSpPr/>
+          <p:nvPr/>
+        </p:nvSpPr>
+        <p:spPr>
+          <a:xfrm>
+            <a:off x="4691321" y="6703179"/>
+            <a:ext cx="322406" cy="413896"/>
+          </a:xfrm>
+          <a:prstGeom prst="rect">
+            <a:avLst/>
+          </a:prstGeom>
+        </p:spPr>
+        <p:txBody>
+          <a:bodyPr wrap="square">
+            <a:spAutoFit/>
+          </a:bodyPr>
+          <a:lstStyle/>
+          <a:p>
+            <a:pPr>
+              <a:lnSpc>
+                <a:spcPct val="114000"/>
+              </a:lnSpc>
+            </a:pPr>
+            <a:r>
+              <a:rPr lang="en-US" sz="2000" dirty="0">
+                <a:latin typeface="Arial" panose="020B0604020202020204" pitchFamily="34" charset="0"/>
+                <a:cs typeface="Arial" panose="020B0604020202020204" pitchFamily="34" charset="0"/>
+              </a:rPr>
+              <a:t>-</a:t>
+            </a:r>
+            <a:endParaRPr lang="en-GB" sz="2800" dirty="0">
+              <a:latin typeface="Arial" panose="020B0604020202020204" pitchFamily="34" charset="0"/>
+              <a:cs typeface="Arial" panose="020B0604020202020204" pitchFamily="34" charset="0"/>
+            </a:endParaRPr>
+          </a:p>
+        </p:txBody>
+      </p:sp>
+      <p:sp>
+        <p:nvSpPr>
+          <p:cNvPr id="69" name="Rectangle 68">
+            <a:extLst>
+              <a:ext uri="{FF2B5EF4-FFF2-40B4-BE49-F238E27FC236}">
+                <a16:creationId xmlns:a16="http://schemas.microsoft.com/office/drawing/2014/main" id="{2C6DD3A2-11F7-45AF-A8CA-FF36F63E595E}"/>
+              </a:ext>
+            </a:extLst>
+          </p:cNvPr>
+          <p:cNvSpPr/>
+          <p:nvPr/>
+        </p:nvSpPr>
+        <p:spPr>
+          <a:xfrm>
+            <a:off x="732361" y="6777452"/>
+            <a:ext cx="308687" cy="408125"/>
+          </a:xfrm>
+          <a:prstGeom prst="rect">
+            <a:avLst/>
+          </a:prstGeom>
+        </p:spPr>
+        <p:txBody>
+          <a:bodyPr wrap="square">
+            <a:spAutoFit/>
+          </a:bodyPr>
+          <a:lstStyle/>
+          <a:p>
+            <a:pPr>
+              <a:lnSpc>
+                <a:spcPct val="114000"/>
+              </a:lnSpc>
+            </a:pPr>
+            <a:r>
+              <a:rPr lang="en-GB" dirty="0">
+                <a:latin typeface="Arial" panose="020B0604020202020204" pitchFamily="34" charset="0"/>
+                <a:cs typeface="Arial" panose="020B0604020202020204" pitchFamily="34" charset="0"/>
+              </a:rPr>
+              <a:t>+</a:t>
+            </a:r>
+            <a:endParaRPr lang="en-GB" sz="2400" dirty="0">
+              <a:latin typeface="Arial" panose="020B0604020202020204" pitchFamily="34" charset="0"/>
+              <a:cs typeface="Arial" panose="020B0604020202020204" pitchFamily="34" charset="0"/>
+            </a:endParaRPr>
+          </a:p>
+        </p:txBody>
+      </p:sp>
+      <p:cxnSp>
+        <p:nvCxnSpPr>
+          <p:cNvPr id="70" name="Straight Connector 69">
+            <a:extLst>
+              <a:ext uri="{FF2B5EF4-FFF2-40B4-BE49-F238E27FC236}">
+                <a16:creationId xmlns:a16="http://schemas.microsoft.com/office/drawing/2014/main" id="{7CA44057-987A-4E14-B2FD-610FF61403F3}"/>
+              </a:ext>
+            </a:extLst>
+          </p:cNvPr>
+          <p:cNvCxnSpPr>
+            <a:cxnSpLocks/>
+            <a:endCxn id="69" idx="3"/>
+          </p:cNvCxnSpPr>
+          <p:nvPr/>
+        </p:nvCxnSpPr>
+        <p:spPr>
+          <a:xfrm flipH="1">
+            <a:off x="1041048" y="6963106"/>
+            <a:ext cx="3648554" cy="18409"/>
+          </a:xfrm>
+          <a:prstGeom prst="line">
+            <a:avLst/>
+          </a:prstGeom>
+          <a:ln w="19050" cap="flat" cmpd="sng" algn="ctr">
+            <a:solidFill>
+              <a:schemeClr val="dk1"/>
+            </a:solidFill>
+            <a:prstDash val="solid"/>
+            <a:round/>
+            <a:headEnd type="arrow" w="med" len="med"/>
+            <a:tailEnd type="arrow" w="med" len="med"/>
+          </a:ln>
+        </p:spPr>
+        <p:style>
+          <a:lnRef idx="0">
+            <a:scrgbClr r="0" g="0" b="0"/>
+          </a:lnRef>
+          <a:fillRef idx="0">
+            <a:scrgbClr r="0" g="0" b="0"/>
+          </a:fillRef>
+          <a:effectRef idx="0">
+            <a:scrgbClr r="0" g="0" b="0"/>
+          </a:effectRef>
+          <a:fontRef idx="minor">
+            <a:schemeClr val="tx1"/>
+          </a:fontRef>
+        </p:style>
+      </p:cxnSp>
+      <p:sp>
+        <p:nvSpPr>
+          <p:cNvPr id="84" name="Rectangle 83">
+            <a:extLst>
+              <a:ext uri="{FF2B5EF4-FFF2-40B4-BE49-F238E27FC236}">
+                <a16:creationId xmlns:a16="http://schemas.microsoft.com/office/drawing/2014/main" id="{DE4DBE48-A915-4302-8830-3D28F816F9B2}"/>
+              </a:ext>
+            </a:extLst>
+          </p:cNvPr>
+          <p:cNvSpPr/>
+          <p:nvPr/>
+        </p:nvSpPr>
+        <p:spPr>
+          <a:xfrm>
+            <a:off x="4663393" y="8386795"/>
+            <a:ext cx="322406" cy="413896"/>
+          </a:xfrm>
+          <a:prstGeom prst="rect">
+            <a:avLst/>
+          </a:prstGeom>
+        </p:spPr>
+        <p:txBody>
+          <a:bodyPr wrap="square">
+            <a:spAutoFit/>
+          </a:bodyPr>
+          <a:lstStyle/>
+          <a:p>
+            <a:pPr>
+              <a:lnSpc>
+                <a:spcPct val="114000"/>
+              </a:lnSpc>
+            </a:pPr>
+            <a:r>
+              <a:rPr lang="en-US" sz="2000" dirty="0">
+                <a:latin typeface="Arial" panose="020B0604020202020204" pitchFamily="34" charset="0"/>
+                <a:cs typeface="Arial" panose="020B0604020202020204" pitchFamily="34" charset="0"/>
+              </a:rPr>
+              <a:t>-</a:t>
+            </a:r>
+            <a:endParaRPr lang="en-GB" sz="2800" dirty="0">
+              <a:latin typeface="Arial" panose="020B0604020202020204" pitchFamily="34" charset="0"/>
+              <a:cs typeface="Arial" panose="020B0604020202020204" pitchFamily="34" charset="0"/>
+            </a:endParaRPr>
+          </a:p>
+        </p:txBody>
+      </p:sp>
+      <p:sp>
+        <p:nvSpPr>
+          <p:cNvPr id="85" name="Rectangle 84">
+            <a:extLst>
+              <a:ext uri="{FF2B5EF4-FFF2-40B4-BE49-F238E27FC236}">
+                <a16:creationId xmlns:a16="http://schemas.microsoft.com/office/drawing/2014/main" id="{2C6DD3A2-11F7-45AF-A8CA-FF36F63E595E}"/>
+              </a:ext>
+            </a:extLst>
+          </p:cNvPr>
+          <p:cNvSpPr/>
+          <p:nvPr/>
+        </p:nvSpPr>
+        <p:spPr>
+          <a:xfrm>
+            <a:off x="704433" y="8461068"/>
+            <a:ext cx="308687" cy="408125"/>
+          </a:xfrm>
+          <a:prstGeom prst="rect">
+            <a:avLst/>
+          </a:prstGeom>
+        </p:spPr>
+        <p:txBody>
+          <a:bodyPr wrap="square">
+            <a:spAutoFit/>
+          </a:bodyPr>
+          <a:lstStyle/>
+          <a:p>
+            <a:pPr>
+              <a:lnSpc>
+                <a:spcPct val="114000"/>
+              </a:lnSpc>
+            </a:pPr>
+            <a:r>
+              <a:rPr lang="en-GB" dirty="0">
+                <a:latin typeface="Arial" panose="020B0604020202020204" pitchFamily="34" charset="0"/>
+                <a:cs typeface="Arial" panose="020B0604020202020204" pitchFamily="34" charset="0"/>
+              </a:rPr>
+              <a:t>+</a:t>
+            </a:r>
+            <a:endParaRPr lang="en-GB" sz="2400" dirty="0">
+              <a:latin typeface="Arial" panose="020B0604020202020204" pitchFamily="34" charset="0"/>
+              <a:cs typeface="Arial" panose="020B0604020202020204" pitchFamily="34" charset="0"/>
+            </a:endParaRPr>
+          </a:p>
+        </p:txBody>
+      </p:sp>
+      <p:cxnSp>
+        <p:nvCxnSpPr>
+          <p:cNvPr id="86" name="Straight Connector 85">
+            <a:extLst>
+              <a:ext uri="{FF2B5EF4-FFF2-40B4-BE49-F238E27FC236}">
+                <a16:creationId xmlns:a16="http://schemas.microsoft.com/office/drawing/2014/main" id="{7CA44057-987A-4E14-B2FD-610FF61403F3}"/>
+              </a:ext>
+            </a:extLst>
+          </p:cNvPr>
+          <p:cNvCxnSpPr>
+            <a:cxnSpLocks/>
+            <a:endCxn id="85" idx="3"/>
+          </p:cNvCxnSpPr>
+          <p:nvPr/>
+        </p:nvCxnSpPr>
+        <p:spPr>
+          <a:xfrm flipH="1">
+            <a:off x="1013120" y="8646722"/>
             <a:ext cx="3648554" cy="18409"/>
           </a:xfrm>
           <a:prstGeom prst="line">
